--- a/Module-20.pptx
+++ b/Module-20.pptx
@@ -5,10 +5,10 @@
     <p:sldMasterId id="2147483648" r:id="rId1"/>
   </p:sldMasterIdLst>
   <p:notesMasterIdLst>
-    <p:notesMasterId r:id="rId12"/>
+    <p:notesMasterId r:id="rId15"/>
   </p:notesMasterIdLst>
   <p:handoutMasterIdLst>
-    <p:handoutMasterId r:id="rId13"/>
+    <p:handoutMasterId r:id="rId16"/>
   </p:handoutMasterIdLst>
   <p:sldIdLst>
     <p:sldId id="257" r:id="rId2"/>
@@ -18,9 +18,12 @@
     <p:sldId id="265" r:id="rId6"/>
     <p:sldId id="264" r:id="rId7"/>
     <p:sldId id="267" r:id="rId8"/>
-    <p:sldId id="266" r:id="rId9"/>
-    <p:sldId id="261" r:id="rId10"/>
-    <p:sldId id="259" r:id="rId11"/>
+    <p:sldId id="268" r:id="rId9"/>
+    <p:sldId id="269" r:id="rId10"/>
+    <p:sldId id="270" r:id="rId11"/>
+    <p:sldId id="259" r:id="rId12"/>
+    <p:sldId id="261" r:id="rId13"/>
+    <p:sldId id="266" r:id="rId14"/>
   </p:sldIdLst>
   <p:sldSz cx="9144000" cy="6858000" type="screen4x3"/>
   <p:notesSz cx="6858000" cy="9144000"/>
@@ -6510,6 +6513,565 @@
       </p:grpSpPr>
       <p:sp>
         <p:nvSpPr>
+          <p:cNvPr id="2" name="Title 1"/>
+          <p:cNvSpPr>
+            <a:spLocks noGrp="1"/>
+          </p:cNvSpPr>
+          <p:nvPr>
+            <p:ph type="title"/>
+          </p:nvPr>
+        </p:nvSpPr>
+        <p:spPr/>
+        <p:txBody>
+          <a:bodyPr/>
+          <a:lstStyle/>
+          <a:p>
+            <a:r>
+              <a:rPr lang="en-US" dirty="0" smtClean="0"/>
+              <a:t>Jenkins</a:t>
+            </a:r>
+            <a:endParaRPr lang="en-US" dirty="0"/>
+          </a:p>
+        </p:txBody>
+      </p:sp>
+      <p:sp>
+        <p:nvSpPr>
+          <p:cNvPr id="3" name="Content Placeholder 2"/>
+          <p:cNvSpPr>
+            <a:spLocks noGrp="1"/>
+          </p:cNvSpPr>
+          <p:nvPr>
+            <p:ph idx="1"/>
+          </p:nvPr>
+        </p:nvSpPr>
+        <p:spPr/>
+        <p:txBody>
+          <a:bodyPr>
+            <a:normAutofit fontScale="92500"/>
+          </a:bodyPr>
+          <a:lstStyle/>
+          <a:p>
+            <a:r>
+              <a:rPr lang="en-US" dirty="0" smtClean="0"/>
+              <a:t>Download </a:t>
+            </a:r>
+            <a:r>
+              <a:rPr lang="en-US" dirty="0" err="1" smtClean="0"/>
+              <a:t>Jenkins.war</a:t>
+            </a:r>
+            <a:r>
+              <a:rPr lang="en-US" dirty="0" smtClean="0"/>
+              <a:t> from </a:t>
+            </a:r>
+            <a:r>
+              <a:rPr lang="en-US" dirty="0" smtClean="0">
+                <a:hlinkClick r:id="rId2"/>
+              </a:rPr>
+              <a:t>jenkins-ci.org</a:t>
+            </a:r>
+            <a:endParaRPr lang="en-US" dirty="0" smtClean="0"/>
+          </a:p>
+          <a:p>
+            <a:r>
+              <a:rPr lang="en-US" dirty="0" smtClean="0"/>
+              <a:t>Start Jenkins</a:t>
+            </a:r>
+          </a:p>
+          <a:p>
+            <a:pPr lvl="1">
+              <a:buFont typeface="Wingdings" panose="05000000000000000000" pitchFamily="2" charset="2"/>
+              <a:buChar char="§"/>
+            </a:pPr>
+            <a:r>
+              <a:rPr lang="en-US" dirty="0" smtClean="0">
+                <a:latin typeface="Courier New" panose="02070309020205020404" pitchFamily="49" charset="0"/>
+                <a:cs typeface="Courier New" panose="02070309020205020404" pitchFamily="49" charset="0"/>
+              </a:rPr>
+              <a:t>java -jar </a:t>
+            </a:r>
+            <a:r>
+              <a:rPr lang="en-US" dirty="0" err="1" smtClean="0">
+                <a:latin typeface="Courier New" panose="02070309020205020404" pitchFamily="49" charset="0"/>
+                <a:cs typeface="Courier New" panose="02070309020205020404" pitchFamily="49" charset="0"/>
+              </a:rPr>
+              <a:t>Jenkins.war</a:t>
+            </a:r>
+            <a:endParaRPr lang="en-US" dirty="0" smtClean="0">
+              <a:latin typeface="Courier New" panose="02070309020205020404" pitchFamily="49" charset="0"/>
+              <a:cs typeface="Courier New" panose="02070309020205020404" pitchFamily="49" charset="0"/>
+            </a:endParaRPr>
+          </a:p>
+          <a:p>
+            <a:r>
+              <a:rPr lang="en-US" dirty="0" smtClean="0"/>
+              <a:t>Jenkins beings running at </a:t>
+            </a:r>
+            <a:r>
+              <a:rPr lang="en-US" dirty="0" smtClean="0">
+                <a:hlinkClick r:id="rId3"/>
+              </a:rPr>
+              <a:t>http://localhost:8080</a:t>
+            </a:r>
+            <a:endParaRPr lang="en-US" dirty="0" smtClean="0"/>
+          </a:p>
+          <a:p>
+            <a:r>
+              <a:rPr lang="en-US" dirty="0" smtClean="0"/>
+              <a:t>Problem Statement</a:t>
+            </a:r>
+          </a:p>
+          <a:p>
+            <a:pPr lvl="1"/>
+            <a:r>
+              <a:rPr lang="en-US" dirty="0" smtClean="0"/>
+              <a:t>Every morning at 5 AM our tests should trigger automatically by picking latest code </a:t>
+            </a:r>
+            <a:r>
+              <a:rPr lang="en-US" smtClean="0"/>
+              <a:t>from GIT.</a:t>
+            </a:r>
+            <a:endParaRPr lang="en-US" dirty="0" smtClean="0"/>
+          </a:p>
+          <a:p>
+            <a:pPr>
+              <a:buFont typeface="Wingdings" panose="05000000000000000000" pitchFamily="2" charset="2"/>
+              <a:buChar char="§"/>
+            </a:pPr>
+            <a:endParaRPr lang="en-US" dirty="0">
+              <a:latin typeface="Courier New" panose="02070309020205020404" pitchFamily="49" charset="0"/>
+              <a:cs typeface="Courier New" panose="02070309020205020404" pitchFamily="49" charset="0"/>
+            </a:endParaRPr>
+          </a:p>
+        </p:txBody>
+      </p:sp>
+    </p:spTree>
+    <p:extLst>
+      <p:ext uri="{BB962C8B-B14F-4D97-AF65-F5344CB8AC3E}">
+        <p14:creationId xmlns:p14="http://schemas.microsoft.com/office/powerpoint/2010/main" val="3919420379"/>
+      </p:ext>
+    </p:extLst>
+  </p:cSld>
+  <p:clrMapOvr>
+    <a:masterClrMapping/>
+  </p:clrMapOvr>
+  <p:timing>
+    <p:tnLst>
+      <p:par>
+        <p:cTn id="1" dur="indefinite" restart="never" nodeType="tmRoot">
+          <p:childTnLst>
+            <p:seq concurrent="1" nextAc="seek">
+              <p:cTn id="2" dur="indefinite" nodeType="mainSeq">
+                <p:childTnLst>
+                  <p:par>
+                    <p:cTn id="3" fill="hold">
+                      <p:stCondLst>
+                        <p:cond delay="indefinite"/>
+                      </p:stCondLst>
+                      <p:childTnLst>
+                        <p:par>
+                          <p:cTn id="4" fill="hold">
+                            <p:stCondLst>
+                              <p:cond delay="0"/>
+                            </p:stCondLst>
+                            <p:childTnLst>
+                              <p:par>
+                                <p:cTn id="5" presetID="10" presetClass="entr" presetSubtype="0" fill="hold" nodeType="clickEffect">
+                                  <p:stCondLst>
+                                    <p:cond delay="0"/>
+                                  </p:stCondLst>
+                                  <p:childTnLst>
+                                    <p:set>
+                                      <p:cBhvr>
+                                        <p:cTn id="6" dur="1" fill="hold">
+                                          <p:stCondLst>
+                                            <p:cond delay="0"/>
+                                          </p:stCondLst>
+                                        </p:cTn>
+                                        <p:tgtEl>
+                                          <p:spTgt spid="3">
+                                            <p:txEl>
+                                              <p:pRg st="0" end="0"/>
+                                            </p:txEl>
+                                          </p:spTgt>
+                                        </p:tgtEl>
+                                        <p:attrNameLst>
+                                          <p:attrName>style.visibility</p:attrName>
+                                        </p:attrNameLst>
+                                      </p:cBhvr>
+                                      <p:to>
+                                        <p:strVal val="visible"/>
+                                      </p:to>
+                                    </p:set>
+                                    <p:animEffect transition="in" filter="fade">
+                                      <p:cBhvr>
+                                        <p:cTn id="7" dur="500"/>
+                                        <p:tgtEl>
+                                          <p:spTgt spid="3">
+                                            <p:txEl>
+                                              <p:pRg st="0" end="0"/>
+                                            </p:txEl>
+                                          </p:spTgt>
+                                        </p:tgtEl>
+                                      </p:cBhvr>
+                                    </p:animEffect>
+                                  </p:childTnLst>
+                                </p:cTn>
+                              </p:par>
+                            </p:childTnLst>
+                          </p:cTn>
+                        </p:par>
+                      </p:childTnLst>
+                    </p:cTn>
+                  </p:par>
+                  <p:par>
+                    <p:cTn id="8" fill="hold">
+                      <p:stCondLst>
+                        <p:cond delay="indefinite"/>
+                      </p:stCondLst>
+                      <p:childTnLst>
+                        <p:par>
+                          <p:cTn id="9" fill="hold">
+                            <p:stCondLst>
+                              <p:cond delay="0"/>
+                            </p:stCondLst>
+                            <p:childTnLst>
+                              <p:par>
+                                <p:cTn id="10" presetID="10" presetClass="entr" presetSubtype="0" fill="hold" nodeType="clickEffect">
+                                  <p:stCondLst>
+                                    <p:cond delay="0"/>
+                                  </p:stCondLst>
+                                  <p:childTnLst>
+                                    <p:set>
+                                      <p:cBhvr>
+                                        <p:cTn id="11" dur="1" fill="hold">
+                                          <p:stCondLst>
+                                            <p:cond delay="0"/>
+                                          </p:stCondLst>
+                                        </p:cTn>
+                                        <p:tgtEl>
+                                          <p:spTgt spid="3">
+                                            <p:txEl>
+                                              <p:pRg st="1" end="1"/>
+                                            </p:txEl>
+                                          </p:spTgt>
+                                        </p:tgtEl>
+                                        <p:attrNameLst>
+                                          <p:attrName>style.visibility</p:attrName>
+                                        </p:attrNameLst>
+                                      </p:cBhvr>
+                                      <p:to>
+                                        <p:strVal val="visible"/>
+                                      </p:to>
+                                    </p:set>
+                                    <p:animEffect transition="in" filter="fade">
+                                      <p:cBhvr>
+                                        <p:cTn id="12" dur="500"/>
+                                        <p:tgtEl>
+                                          <p:spTgt spid="3">
+                                            <p:txEl>
+                                              <p:pRg st="1" end="1"/>
+                                            </p:txEl>
+                                          </p:spTgt>
+                                        </p:tgtEl>
+                                      </p:cBhvr>
+                                    </p:animEffect>
+                                  </p:childTnLst>
+                                </p:cTn>
+                              </p:par>
+                            </p:childTnLst>
+                          </p:cTn>
+                        </p:par>
+                      </p:childTnLst>
+                    </p:cTn>
+                  </p:par>
+                  <p:par>
+                    <p:cTn id="13" fill="hold">
+                      <p:stCondLst>
+                        <p:cond delay="indefinite"/>
+                      </p:stCondLst>
+                      <p:childTnLst>
+                        <p:par>
+                          <p:cTn id="14" fill="hold">
+                            <p:stCondLst>
+                              <p:cond delay="0"/>
+                            </p:stCondLst>
+                            <p:childTnLst>
+                              <p:par>
+                                <p:cTn id="15" presetID="10" presetClass="entr" presetSubtype="0" fill="hold" nodeType="clickEffect">
+                                  <p:stCondLst>
+                                    <p:cond delay="0"/>
+                                  </p:stCondLst>
+                                  <p:childTnLst>
+                                    <p:set>
+                                      <p:cBhvr>
+                                        <p:cTn id="16" dur="1" fill="hold">
+                                          <p:stCondLst>
+                                            <p:cond delay="0"/>
+                                          </p:stCondLst>
+                                        </p:cTn>
+                                        <p:tgtEl>
+                                          <p:spTgt spid="3">
+                                            <p:txEl>
+                                              <p:pRg st="2" end="2"/>
+                                            </p:txEl>
+                                          </p:spTgt>
+                                        </p:tgtEl>
+                                        <p:attrNameLst>
+                                          <p:attrName>style.visibility</p:attrName>
+                                        </p:attrNameLst>
+                                      </p:cBhvr>
+                                      <p:to>
+                                        <p:strVal val="visible"/>
+                                      </p:to>
+                                    </p:set>
+                                    <p:animEffect transition="in" filter="fade">
+                                      <p:cBhvr>
+                                        <p:cTn id="17" dur="500"/>
+                                        <p:tgtEl>
+                                          <p:spTgt spid="3">
+                                            <p:txEl>
+                                              <p:pRg st="2" end="2"/>
+                                            </p:txEl>
+                                          </p:spTgt>
+                                        </p:tgtEl>
+                                      </p:cBhvr>
+                                    </p:animEffect>
+                                  </p:childTnLst>
+                                </p:cTn>
+                              </p:par>
+                            </p:childTnLst>
+                          </p:cTn>
+                        </p:par>
+                      </p:childTnLst>
+                    </p:cTn>
+                  </p:par>
+                  <p:par>
+                    <p:cTn id="18" fill="hold">
+                      <p:stCondLst>
+                        <p:cond delay="indefinite"/>
+                      </p:stCondLst>
+                      <p:childTnLst>
+                        <p:par>
+                          <p:cTn id="19" fill="hold">
+                            <p:stCondLst>
+                              <p:cond delay="0"/>
+                            </p:stCondLst>
+                            <p:childTnLst>
+                              <p:par>
+                                <p:cTn id="20" presetID="10" presetClass="entr" presetSubtype="0" fill="hold" nodeType="clickEffect">
+                                  <p:stCondLst>
+                                    <p:cond delay="0"/>
+                                  </p:stCondLst>
+                                  <p:childTnLst>
+                                    <p:set>
+                                      <p:cBhvr>
+                                        <p:cTn id="21" dur="1" fill="hold">
+                                          <p:stCondLst>
+                                            <p:cond delay="0"/>
+                                          </p:stCondLst>
+                                        </p:cTn>
+                                        <p:tgtEl>
+                                          <p:spTgt spid="3">
+                                            <p:txEl>
+                                              <p:pRg st="3" end="3"/>
+                                            </p:txEl>
+                                          </p:spTgt>
+                                        </p:tgtEl>
+                                        <p:attrNameLst>
+                                          <p:attrName>style.visibility</p:attrName>
+                                        </p:attrNameLst>
+                                      </p:cBhvr>
+                                      <p:to>
+                                        <p:strVal val="visible"/>
+                                      </p:to>
+                                    </p:set>
+                                    <p:animEffect transition="in" filter="fade">
+                                      <p:cBhvr>
+                                        <p:cTn id="22" dur="500"/>
+                                        <p:tgtEl>
+                                          <p:spTgt spid="3">
+                                            <p:txEl>
+                                              <p:pRg st="3" end="3"/>
+                                            </p:txEl>
+                                          </p:spTgt>
+                                        </p:tgtEl>
+                                      </p:cBhvr>
+                                    </p:animEffect>
+                                  </p:childTnLst>
+                                </p:cTn>
+                              </p:par>
+                            </p:childTnLst>
+                          </p:cTn>
+                        </p:par>
+                      </p:childTnLst>
+                    </p:cTn>
+                  </p:par>
+                  <p:par>
+                    <p:cTn id="23" fill="hold">
+                      <p:stCondLst>
+                        <p:cond delay="indefinite"/>
+                      </p:stCondLst>
+                      <p:childTnLst>
+                        <p:par>
+                          <p:cTn id="24" fill="hold">
+                            <p:stCondLst>
+                              <p:cond delay="0"/>
+                            </p:stCondLst>
+                            <p:childTnLst>
+                              <p:par>
+                                <p:cTn id="25" presetID="10" presetClass="entr" presetSubtype="0" fill="hold" nodeType="clickEffect">
+                                  <p:stCondLst>
+                                    <p:cond delay="0"/>
+                                  </p:stCondLst>
+                                  <p:childTnLst>
+                                    <p:set>
+                                      <p:cBhvr>
+                                        <p:cTn id="26" dur="1" fill="hold">
+                                          <p:stCondLst>
+                                            <p:cond delay="0"/>
+                                          </p:stCondLst>
+                                        </p:cTn>
+                                        <p:tgtEl>
+                                          <p:spTgt spid="3">
+                                            <p:txEl>
+                                              <p:pRg st="4" end="4"/>
+                                            </p:txEl>
+                                          </p:spTgt>
+                                        </p:tgtEl>
+                                        <p:attrNameLst>
+                                          <p:attrName>style.visibility</p:attrName>
+                                        </p:attrNameLst>
+                                      </p:cBhvr>
+                                      <p:to>
+                                        <p:strVal val="visible"/>
+                                      </p:to>
+                                    </p:set>
+                                    <p:animEffect transition="in" filter="fade">
+                                      <p:cBhvr>
+                                        <p:cTn id="27" dur="500"/>
+                                        <p:tgtEl>
+                                          <p:spTgt spid="3">
+                                            <p:txEl>
+                                              <p:pRg st="4" end="4"/>
+                                            </p:txEl>
+                                          </p:spTgt>
+                                        </p:tgtEl>
+                                      </p:cBhvr>
+                                    </p:animEffect>
+                                  </p:childTnLst>
+                                </p:cTn>
+                              </p:par>
+                            </p:childTnLst>
+                          </p:cTn>
+                        </p:par>
+                      </p:childTnLst>
+                    </p:cTn>
+                  </p:par>
+                  <p:par>
+                    <p:cTn id="28" fill="hold">
+                      <p:stCondLst>
+                        <p:cond delay="indefinite"/>
+                      </p:stCondLst>
+                      <p:childTnLst>
+                        <p:par>
+                          <p:cTn id="29" fill="hold">
+                            <p:stCondLst>
+                              <p:cond delay="0"/>
+                            </p:stCondLst>
+                            <p:childTnLst>
+                              <p:par>
+                                <p:cTn id="30" presetID="10" presetClass="entr" presetSubtype="0" fill="hold" nodeType="clickEffect">
+                                  <p:stCondLst>
+                                    <p:cond delay="0"/>
+                                  </p:stCondLst>
+                                  <p:childTnLst>
+                                    <p:set>
+                                      <p:cBhvr>
+                                        <p:cTn id="31" dur="1" fill="hold">
+                                          <p:stCondLst>
+                                            <p:cond delay="0"/>
+                                          </p:stCondLst>
+                                        </p:cTn>
+                                        <p:tgtEl>
+                                          <p:spTgt spid="3">
+                                            <p:txEl>
+                                              <p:pRg st="5" end="5"/>
+                                            </p:txEl>
+                                          </p:spTgt>
+                                        </p:tgtEl>
+                                        <p:attrNameLst>
+                                          <p:attrName>style.visibility</p:attrName>
+                                        </p:attrNameLst>
+                                      </p:cBhvr>
+                                      <p:to>
+                                        <p:strVal val="visible"/>
+                                      </p:to>
+                                    </p:set>
+                                    <p:animEffect transition="in" filter="fade">
+                                      <p:cBhvr>
+                                        <p:cTn id="32" dur="500"/>
+                                        <p:tgtEl>
+                                          <p:spTgt spid="3">
+                                            <p:txEl>
+                                              <p:pRg st="5" end="5"/>
+                                            </p:txEl>
+                                          </p:spTgt>
+                                        </p:tgtEl>
+                                      </p:cBhvr>
+                                    </p:animEffect>
+                                  </p:childTnLst>
+                                </p:cTn>
+                              </p:par>
+                            </p:childTnLst>
+                          </p:cTn>
+                        </p:par>
+                      </p:childTnLst>
+                    </p:cTn>
+                  </p:par>
+                </p:childTnLst>
+              </p:cTn>
+              <p:prevCondLst>
+                <p:cond evt="onPrev" delay="0">
+                  <p:tgtEl>
+                    <p:sldTgt/>
+                  </p:tgtEl>
+                </p:cond>
+              </p:prevCondLst>
+              <p:nextCondLst>
+                <p:cond evt="onNext" delay="0">
+                  <p:tgtEl>
+                    <p:sldTgt/>
+                  </p:tgtEl>
+                </p:cond>
+              </p:nextCondLst>
+            </p:seq>
+          </p:childTnLst>
+        </p:cTn>
+      </p:par>
+    </p:tnLst>
+  </p:timing>
+</p:sld>
+</file>
+
+<file path=ppt/slides/slide11.xml><?xml version="1.0" encoding="utf-8"?>
+<p:sld xmlns:a="http://schemas.openxmlformats.org/drawingml/2006/main" xmlns:r="http://schemas.openxmlformats.org/officeDocument/2006/relationships" xmlns:p="http://schemas.openxmlformats.org/presentationml/2006/main">
+  <p:cSld>
+    <p:spTree>
+      <p:nvGrpSpPr>
+        <p:cNvPr id="1" name=""/>
+        <p:cNvGrpSpPr/>
+        <p:nvPr/>
+      </p:nvGrpSpPr>
+      <p:grpSpPr>
+        <a:xfrm>
+          <a:off x="0" y="0"/>
+          <a:ext cx="0" cy="0"/>
+          <a:chOff x="0" y="0"/>
+          <a:chExt cx="0" cy="0"/>
+        </a:xfrm>
+      </p:grpSpPr>
+      <p:sp>
+        <p:nvSpPr>
           <p:cNvPr id="4" name="Title 3"/>
           <p:cNvSpPr>
             <a:spLocks noGrp="1"/>
@@ -6566,6 +7128,323 @@
   <p:clrMapOvr>
     <a:masterClrMapping/>
   </p:clrMapOvr>
+  <p:timing>
+    <p:tnLst>
+      <p:par>
+        <p:cTn id="1" dur="indefinite" restart="never" nodeType="tmRoot"/>
+      </p:par>
+    </p:tnLst>
+  </p:timing>
+</p:sld>
+</file>
+
+<file path=ppt/slides/slide12.xml><?xml version="1.0" encoding="utf-8"?>
+<p:sld xmlns:a="http://schemas.openxmlformats.org/drawingml/2006/main" xmlns:r="http://schemas.openxmlformats.org/officeDocument/2006/relationships" xmlns:p="http://schemas.openxmlformats.org/presentationml/2006/main" show="0">
+  <p:cSld>
+    <p:spTree>
+      <p:nvGrpSpPr>
+        <p:cNvPr id="1" name=""/>
+        <p:cNvGrpSpPr/>
+        <p:nvPr/>
+      </p:nvGrpSpPr>
+      <p:grpSpPr>
+        <a:xfrm>
+          <a:off x="0" y="0"/>
+          <a:ext cx="0" cy="0"/>
+          <a:chOff x="0" y="0"/>
+          <a:chExt cx="0" cy="0"/>
+        </a:xfrm>
+      </p:grpSpPr>
+      <p:sp>
+        <p:nvSpPr>
+          <p:cNvPr id="2" name="Title 1"/>
+          <p:cNvSpPr>
+            <a:spLocks noGrp="1"/>
+          </p:cNvSpPr>
+          <p:nvPr>
+            <p:ph type="title"/>
+          </p:nvPr>
+        </p:nvSpPr>
+        <p:spPr/>
+        <p:txBody>
+          <a:bodyPr/>
+          <a:lstStyle/>
+          <a:p>
+            <a:endParaRPr lang="en-US"/>
+          </a:p>
+        </p:txBody>
+      </p:sp>
+      <p:sp>
+        <p:nvSpPr>
+          <p:cNvPr id="3" name="Content Placeholder 2"/>
+          <p:cNvSpPr>
+            <a:spLocks noGrp="1"/>
+          </p:cNvSpPr>
+          <p:nvPr>
+            <p:ph idx="1"/>
+          </p:nvPr>
+        </p:nvSpPr>
+        <p:spPr/>
+        <p:txBody>
+          <a:bodyPr>
+            <a:normAutofit fontScale="40000" lnSpcReduction="20000"/>
+          </a:bodyPr>
+          <a:lstStyle/>
+          <a:p>
+            <a:endParaRPr lang="en-US" dirty="0"/>
+          </a:p>
+          <a:p>
+            <a:r>
+              <a:rPr lang="en-US" dirty="0"/>
+              <a:t>End Goal</a:t>
+            </a:r>
+          </a:p>
+          <a:p>
+            <a:r>
+              <a:rPr lang="en-US" dirty="0"/>
+              <a:t>-- Logging [[LOG4NET]]</a:t>
+            </a:r>
+          </a:p>
+          <a:p>
+            <a:r>
+              <a:rPr lang="en-US" dirty="0"/>
+              <a:t>-- Automating Test Cases [[SELENIUM, C#]]</a:t>
+            </a:r>
+          </a:p>
+          <a:p>
+            <a:r>
+              <a:rPr lang="en-US" dirty="0"/>
+              <a:t>-- Building DD Framework   [[OOP CONCEPTS, DATA HANDLING]]</a:t>
+            </a:r>
+          </a:p>
+          <a:p>
+            <a:r>
+              <a:rPr lang="en-US" dirty="0"/>
+              <a:t>-- Collaborative Development [[GITHUB]]</a:t>
+            </a:r>
+          </a:p>
+          <a:p>
+            <a:r>
+              <a:rPr lang="en-US" dirty="0"/>
+              <a:t>-- Distributed Execution  [[GRID]]</a:t>
+            </a:r>
+          </a:p>
+          <a:p>
+            <a:r>
+              <a:rPr lang="en-US" dirty="0"/>
+              <a:t>-- Continuous Integration [[JENKINS]]</a:t>
+            </a:r>
+          </a:p>
+          <a:p>
+            <a:r>
+              <a:rPr lang="en-US" dirty="0"/>
+              <a:t>-- Automated Reporting   [[JENKINS]]</a:t>
+            </a:r>
+          </a:p>
+          <a:p>
+            <a:endParaRPr lang="en-US" dirty="0"/>
+          </a:p>
+          <a:p>
+            <a:endParaRPr lang="en-US" dirty="0"/>
+          </a:p>
+          <a:p>
+            <a:r>
+              <a:rPr lang="en-US" dirty="0"/>
+              <a:t>EXCEL SHEET</a:t>
+            </a:r>
+          </a:p>
+          <a:p>
+            <a:r>
+              <a:rPr lang="en-US" dirty="0"/>
+              <a:t>-- One Excel Workbook Per Suite</a:t>
+            </a:r>
+          </a:p>
+          <a:p>
+            <a:r>
+              <a:rPr lang="en-US" dirty="0"/>
+              <a:t>-- One Sheet Per </a:t>
+            </a:r>
+            <a:r>
+              <a:rPr lang="en-US" dirty="0" err="1"/>
+              <a:t>TestSelection</a:t>
+            </a:r>
+            <a:endParaRPr lang="en-US" dirty="0"/>
+          </a:p>
+          <a:p>
+            <a:r>
+              <a:rPr lang="en-US" dirty="0"/>
+              <a:t>-- One Sheet Per </a:t>
+            </a:r>
+            <a:r>
+              <a:rPr lang="en-US" dirty="0" err="1"/>
+              <a:t>TestData</a:t>
+            </a:r>
+            <a:r>
+              <a:rPr lang="en-US" dirty="0"/>
+              <a:t> for all tests of a Suite</a:t>
+            </a:r>
+          </a:p>
+          <a:p>
+            <a:r>
+              <a:rPr lang="en-US" dirty="0"/>
+              <a:t>-- One Excel Workbook for All Suites</a:t>
+            </a:r>
+          </a:p>
+          <a:p>
+            <a:endParaRPr lang="en-US" dirty="0"/>
+          </a:p>
+          <a:p>
+            <a:endParaRPr lang="en-US" dirty="0"/>
+          </a:p>
+          <a:p>
+            <a:r>
+              <a:rPr lang="en-US" dirty="0"/>
+              <a:t>-- Core Framework</a:t>
+            </a:r>
+          </a:p>
+          <a:p>
+            <a:endParaRPr lang="en-US" dirty="0"/>
+          </a:p>
+        </p:txBody>
+      </p:sp>
+    </p:spTree>
+    <p:extLst>
+      <p:ext uri="{BB962C8B-B14F-4D97-AF65-F5344CB8AC3E}">
+        <p14:creationId xmlns:p14="http://schemas.microsoft.com/office/powerpoint/2010/main" val="153096880"/>
+      </p:ext>
+    </p:extLst>
+  </p:cSld>
+  <p:clrMapOvr>
+    <a:masterClrMapping/>
+  </p:clrMapOvr>
+  <mc:AlternateContent xmlns:mc="http://schemas.openxmlformats.org/markup-compatibility/2006" xmlns:p14="http://schemas.microsoft.com/office/powerpoint/2010/main">
+    <mc:Choice Requires="p14">
+      <p:transition spd="slow" p14:dur="2000"/>
+    </mc:Choice>
+    <mc:Fallback xmlns="">
+      <p:transition spd="slow"/>
+    </mc:Fallback>
+  </mc:AlternateContent>
+  <p:timing>
+    <p:tnLst>
+      <p:par>
+        <p:cTn id="1" dur="indefinite" restart="never" nodeType="tmRoot"/>
+      </p:par>
+    </p:tnLst>
+  </p:timing>
+</p:sld>
+</file>
+
+<file path=ppt/slides/slide13.xml><?xml version="1.0" encoding="utf-8"?>
+<p:sld xmlns:a="http://schemas.openxmlformats.org/drawingml/2006/main" xmlns:r="http://schemas.openxmlformats.org/officeDocument/2006/relationships" xmlns:p="http://schemas.openxmlformats.org/presentationml/2006/main" show="0">
+  <p:cSld>
+    <p:spTree>
+      <p:nvGrpSpPr>
+        <p:cNvPr id="1" name=""/>
+        <p:cNvGrpSpPr/>
+        <p:nvPr/>
+      </p:nvGrpSpPr>
+      <p:grpSpPr>
+        <a:xfrm>
+          <a:off x="0" y="0"/>
+          <a:ext cx="0" cy="0"/>
+          <a:chOff x="0" y="0"/>
+          <a:chExt cx="0" cy="0"/>
+        </a:xfrm>
+      </p:grpSpPr>
+      <p:sp>
+        <p:nvSpPr>
+          <p:cNvPr id="2" name="Title 1"/>
+          <p:cNvSpPr>
+            <a:spLocks noGrp="1"/>
+          </p:cNvSpPr>
+          <p:nvPr>
+            <p:ph type="title"/>
+          </p:nvPr>
+        </p:nvSpPr>
+        <p:spPr/>
+        <p:txBody>
+          <a:bodyPr/>
+          <a:lstStyle/>
+          <a:p>
+            <a:r>
+              <a:rPr lang="en-US" dirty="0" smtClean="0"/>
+              <a:t>Execution Flexibility</a:t>
+            </a:r>
+            <a:endParaRPr lang="en-US" dirty="0"/>
+          </a:p>
+        </p:txBody>
+      </p:sp>
+      <p:sp>
+        <p:nvSpPr>
+          <p:cNvPr id="3" name="Content Placeholder 2"/>
+          <p:cNvSpPr>
+            <a:spLocks noGrp="1"/>
+          </p:cNvSpPr>
+          <p:nvPr>
+            <p:ph idx="1"/>
+          </p:nvPr>
+        </p:nvSpPr>
+        <p:spPr/>
+        <p:txBody>
+          <a:bodyPr/>
+          <a:lstStyle/>
+          <a:p>
+            <a:r>
+              <a:rPr lang="en-US" dirty="0" smtClean="0"/>
+              <a:t>Configuration File</a:t>
+            </a:r>
+          </a:p>
+          <a:p>
+            <a:r>
+              <a:rPr lang="en-US" dirty="0" smtClean="0"/>
+              <a:t>Selective Test Execution</a:t>
+            </a:r>
+          </a:p>
+          <a:p>
+            <a:r>
+              <a:rPr lang="en-US" dirty="0"/>
+              <a:t>Logging</a:t>
+            </a:r>
+          </a:p>
+          <a:p>
+            <a:r>
+              <a:rPr lang="en-US" dirty="0" smtClean="0"/>
+              <a:t>Parallel Test Execution</a:t>
+            </a:r>
+          </a:p>
+          <a:p>
+            <a:r>
+              <a:rPr lang="en-US" dirty="0" smtClean="0"/>
+              <a:t>Test Listeners</a:t>
+            </a:r>
+          </a:p>
+          <a:p>
+            <a:endParaRPr lang="en-US" dirty="0" smtClean="0"/>
+          </a:p>
+          <a:p>
+            <a:endParaRPr lang="en-US" dirty="0"/>
+          </a:p>
+        </p:txBody>
+      </p:sp>
+    </p:spTree>
+    <p:extLst>
+      <p:ext uri="{BB962C8B-B14F-4D97-AF65-F5344CB8AC3E}">
+        <p14:creationId xmlns:p14="http://schemas.microsoft.com/office/powerpoint/2010/main" val="2622253191"/>
+      </p:ext>
+    </p:extLst>
+  </p:cSld>
+  <p:clrMapOvr>
+    <a:masterClrMapping/>
+  </p:clrMapOvr>
+  <mc:AlternateContent xmlns:mc="http://schemas.openxmlformats.org/markup-compatibility/2006" xmlns:p14="http://schemas.microsoft.com/office/powerpoint/2010/main">
+    <mc:Choice Requires="p14">
+      <p:transition spd="slow" p14:dur="2000"/>
+    </mc:Choice>
+    <mc:Fallback xmlns="">
+      <p:transition spd="slow"/>
+    </mc:Fallback>
+  </mc:AlternateContent>
   <p:timing>
     <p:tnLst>
       <p:par>
@@ -13047,7 +13926,844 @@
 </file>
 
 <file path=ppt/slides/slide8.xml><?xml version="1.0" encoding="utf-8"?>
-<p:sld xmlns:a="http://schemas.openxmlformats.org/drawingml/2006/main" xmlns:r="http://schemas.openxmlformats.org/officeDocument/2006/relationships" xmlns:p="http://schemas.openxmlformats.org/presentationml/2006/main" show="0">
+<p:sld xmlns:a="http://schemas.openxmlformats.org/drawingml/2006/main" xmlns:r="http://schemas.openxmlformats.org/officeDocument/2006/relationships" xmlns:p="http://schemas.openxmlformats.org/presentationml/2006/main">
+  <p:cSld>
+    <p:spTree>
+      <p:nvGrpSpPr>
+        <p:cNvPr id="1" name=""/>
+        <p:cNvGrpSpPr/>
+        <p:nvPr/>
+      </p:nvGrpSpPr>
+      <p:grpSpPr>
+        <a:xfrm>
+          <a:off x="0" y="0"/>
+          <a:ext cx="0" cy="0"/>
+          <a:chOff x="0" y="0"/>
+          <a:chExt cx="0" cy="0"/>
+        </a:xfrm>
+      </p:grpSpPr>
+      <p:sp>
+        <p:nvSpPr>
+          <p:cNvPr id="2" name="Title 1"/>
+          <p:cNvSpPr>
+            <a:spLocks noGrp="1"/>
+          </p:cNvSpPr>
+          <p:nvPr>
+            <p:ph type="title"/>
+          </p:nvPr>
+        </p:nvSpPr>
+        <p:spPr>
+          <a:xfrm>
+            <a:off x="457200" y="228600"/>
+            <a:ext cx="8229600" cy="1143000"/>
+          </a:xfrm>
+        </p:spPr>
+        <p:txBody>
+          <a:bodyPr/>
+          <a:lstStyle/>
+          <a:p>
+            <a:r>
+              <a:rPr lang="en-US" dirty="0" smtClean="0"/>
+              <a:t>Parallel Test Execution</a:t>
+            </a:r>
+            <a:endParaRPr lang="en-US" dirty="0"/>
+          </a:p>
+        </p:txBody>
+      </p:sp>
+      <p:sp>
+        <p:nvSpPr>
+          <p:cNvPr id="3" name="Content Placeholder 2"/>
+          <p:cNvSpPr>
+            <a:spLocks noGrp="1"/>
+          </p:cNvSpPr>
+          <p:nvPr>
+            <p:ph idx="1"/>
+          </p:nvPr>
+        </p:nvSpPr>
+        <p:spPr>
+          <a:xfrm>
+            <a:off x="457200" y="1371600"/>
+            <a:ext cx="8229600" cy="4754563"/>
+          </a:xfrm>
+        </p:spPr>
+        <p:txBody>
+          <a:bodyPr>
+            <a:normAutofit fontScale="85000" lnSpcReduction="20000"/>
+          </a:bodyPr>
+          <a:lstStyle/>
+          <a:p>
+            <a:r>
+              <a:rPr lang="en-US" dirty="0" err="1" smtClean="0">
+                <a:hlinkClick r:id="rId2"/>
+              </a:rPr>
+              <a:t>NUnit</a:t>
+            </a:r>
+            <a:r>
+              <a:rPr lang="en-US" dirty="0" smtClean="0">
+                <a:hlinkClick r:id="rId2"/>
+              </a:rPr>
+              <a:t> 3.0</a:t>
+            </a:r>
+            <a:endParaRPr lang="en-US" dirty="0" smtClean="0"/>
+          </a:p>
+          <a:p>
+            <a:r>
+              <a:rPr lang="en-US" dirty="0" err="1" smtClean="0">
+                <a:hlinkClick r:id="rId3"/>
+              </a:rPr>
+              <a:t>ParallelizableAttribute</a:t>
+            </a:r>
+            <a:endParaRPr lang="en-US" dirty="0" smtClean="0"/>
+          </a:p>
+          <a:p>
+            <a:r>
+              <a:rPr lang="en-US" dirty="0" smtClean="0"/>
+              <a:t>Upgrading </a:t>
+            </a:r>
+            <a:r>
+              <a:rPr lang="en-US" dirty="0" err="1" smtClean="0"/>
+              <a:t>Nunit</a:t>
+            </a:r>
+            <a:r>
+              <a:rPr lang="en-US" dirty="0" smtClean="0"/>
+              <a:t> 2.6.4 to 3.0</a:t>
+            </a:r>
+          </a:p>
+          <a:p>
+            <a:pPr lvl="1"/>
+            <a:r>
+              <a:rPr lang="en-US" dirty="0" smtClean="0"/>
+              <a:t>Change </a:t>
+            </a:r>
+            <a:r>
+              <a:rPr lang="en-US" dirty="0" err="1" smtClean="0"/>
+              <a:t>SetupAttribute</a:t>
+            </a:r>
+            <a:r>
+              <a:rPr lang="en-US" dirty="0" smtClean="0"/>
+              <a:t> in </a:t>
+            </a:r>
+            <a:r>
+              <a:rPr lang="en-US" dirty="0" err="1" smtClean="0"/>
+              <a:t>SetupFixture</a:t>
+            </a:r>
+            <a:r>
+              <a:rPr lang="en-US" dirty="0"/>
+              <a:t> to </a:t>
+            </a:r>
+            <a:r>
+              <a:rPr lang="en-US" dirty="0" err="1" smtClean="0"/>
+              <a:t>OneTimeSetUpAttribute</a:t>
+            </a:r>
+            <a:endParaRPr lang="en-US" dirty="0" smtClean="0"/>
+          </a:p>
+          <a:p>
+            <a:pPr lvl="1"/>
+            <a:r>
+              <a:rPr lang="en-US" dirty="0" smtClean="0"/>
+              <a:t>Make Data Providers as public static.</a:t>
+            </a:r>
+          </a:p>
+          <a:p>
+            <a:r>
+              <a:rPr lang="en-US" dirty="0" smtClean="0"/>
+              <a:t>NOTE:</a:t>
+            </a:r>
+          </a:p>
+          <a:p>
+            <a:pPr lvl="1"/>
+            <a:r>
+              <a:rPr lang="en-US" dirty="0" smtClean="0"/>
+              <a:t>Current Release doesn’t support  - Parallel </a:t>
+            </a:r>
+            <a:r>
+              <a:rPr lang="en-US" dirty="0"/>
+              <a:t>execution of methods within a </a:t>
+            </a:r>
+            <a:r>
+              <a:rPr lang="en-US" dirty="0" smtClean="0"/>
+              <a:t>class.</a:t>
+            </a:r>
+          </a:p>
+          <a:p>
+            <a:r>
+              <a:rPr lang="en-US" dirty="0" err="1" smtClean="0">
+                <a:hlinkClick r:id="rId4"/>
+              </a:rPr>
+              <a:t>LevelOfParallelizm</a:t>
+            </a:r>
+            <a:endParaRPr lang="en-US" dirty="0" smtClean="0"/>
+          </a:p>
+          <a:p>
+            <a:r>
+              <a:rPr lang="en-US" dirty="0" smtClean="0"/>
+              <a:t>NUNIT Command Line Argument</a:t>
+            </a:r>
+          </a:p>
+          <a:p>
+            <a:pPr lvl="1"/>
+            <a:r>
+              <a:rPr lang="en-US" b="1" dirty="0" smtClean="0"/>
+              <a:t>--workers=n</a:t>
+            </a:r>
+          </a:p>
+        </p:txBody>
+      </p:sp>
+    </p:spTree>
+    <p:extLst>
+      <p:ext uri="{BB962C8B-B14F-4D97-AF65-F5344CB8AC3E}">
+        <p14:creationId xmlns:p14="http://schemas.microsoft.com/office/powerpoint/2010/main" val="3894801570"/>
+      </p:ext>
+    </p:extLst>
+  </p:cSld>
+  <p:clrMapOvr>
+    <a:masterClrMapping/>
+  </p:clrMapOvr>
+  <p:timing>
+    <p:tnLst>
+      <p:par>
+        <p:cTn id="1" dur="indefinite" restart="never" nodeType="tmRoot">
+          <p:childTnLst>
+            <p:seq concurrent="1" nextAc="seek">
+              <p:cTn id="2" dur="indefinite" nodeType="mainSeq">
+                <p:childTnLst>
+                  <p:par>
+                    <p:cTn id="3" fill="hold">
+                      <p:stCondLst>
+                        <p:cond delay="indefinite"/>
+                      </p:stCondLst>
+                      <p:childTnLst>
+                        <p:par>
+                          <p:cTn id="4" fill="hold">
+                            <p:stCondLst>
+                              <p:cond delay="0"/>
+                            </p:stCondLst>
+                            <p:childTnLst>
+                              <p:par>
+                                <p:cTn id="5" presetID="10" presetClass="entr" presetSubtype="0" fill="hold" nodeType="clickEffect">
+                                  <p:stCondLst>
+                                    <p:cond delay="0"/>
+                                  </p:stCondLst>
+                                  <p:childTnLst>
+                                    <p:set>
+                                      <p:cBhvr>
+                                        <p:cTn id="6" dur="1" fill="hold">
+                                          <p:stCondLst>
+                                            <p:cond delay="0"/>
+                                          </p:stCondLst>
+                                        </p:cTn>
+                                        <p:tgtEl>
+                                          <p:spTgt spid="3">
+                                            <p:txEl>
+                                              <p:pRg st="0" end="0"/>
+                                            </p:txEl>
+                                          </p:spTgt>
+                                        </p:tgtEl>
+                                        <p:attrNameLst>
+                                          <p:attrName>style.visibility</p:attrName>
+                                        </p:attrNameLst>
+                                      </p:cBhvr>
+                                      <p:to>
+                                        <p:strVal val="visible"/>
+                                      </p:to>
+                                    </p:set>
+                                    <p:animEffect transition="in" filter="fade">
+                                      <p:cBhvr>
+                                        <p:cTn id="7" dur="500"/>
+                                        <p:tgtEl>
+                                          <p:spTgt spid="3">
+                                            <p:txEl>
+                                              <p:pRg st="0" end="0"/>
+                                            </p:txEl>
+                                          </p:spTgt>
+                                        </p:tgtEl>
+                                      </p:cBhvr>
+                                    </p:animEffect>
+                                  </p:childTnLst>
+                                </p:cTn>
+                              </p:par>
+                            </p:childTnLst>
+                          </p:cTn>
+                        </p:par>
+                      </p:childTnLst>
+                    </p:cTn>
+                  </p:par>
+                  <p:par>
+                    <p:cTn id="8" fill="hold">
+                      <p:stCondLst>
+                        <p:cond delay="indefinite"/>
+                      </p:stCondLst>
+                      <p:childTnLst>
+                        <p:par>
+                          <p:cTn id="9" fill="hold">
+                            <p:stCondLst>
+                              <p:cond delay="0"/>
+                            </p:stCondLst>
+                            <p:childTnLst>
+                              <p:par>
+                                <p:cTn id="10" presetID="10" presetClass="entr" presetSubtype="0" fill="hold" nodeType="clickEffect">
+                                  <p:stCondLst>
+                                    <p:cond delay="0"/>
+                                  </p:stCondLst>
+                                  <p:childTnLst>
+                                    <p:set>
+                                      <p:cBhvr>
+                                        <p:cTn id="11" dur="1" fill="hold">
+                                          <p:stCondLst>
+                                            <p:cond delay="0"/>
+                                          </p:stCondLst>
+                                        </p:cTn>
+                                        <p:tgtEl>
+                                          <p:spTgt spid="3">
+                                            <p:txEl>
+                                              <p:pRg st="1" end="1"/>
+                                            </p:txEl>
+                                          </p:spTgt>
+                                        </p:tgtEl>
+                                        <p:attrNameLst>
+                                          <p:attrName>style.visibility</p:attrName>
+                                        </p:attrNameLst>
+                                      </p:cBhvr>
+                                      <p:to>
+                                        <p:strVal val="visible"/>
+                                      </p:to>
+                                    </p:set>
+                                    <p:animEffect transition="in" filter="fade">
+                                      <p:cBhvr>
+                                        <p:cTn id="12" dur="500"/>
+                                        <p:tgtEl>
+                                          <p:spTgt spid="3">
+                                            <p:txEl>
+                                              <p:pRg st="1" end="1"/>
+                                            </p:txEl>
+                                          </p:spTgt>
+                                        </p:tgtEl>
+                                      </p:cBhvr>
+                                    </p:animEffect>
+                                  </p:childTnLst>
+                                </p:cTn>
+                              </p:par>
+                            </p:childTnLst>
+                          </p:cTn>
+                        </p:par>
+                      </p:childTnLst>
+                    </p:cTn>
+                  </p:par>
+                  <p:par>
+                    <p:cTn id="13" fill="hold">
+                      <p:stCondLst>
+                        <p:cond delay="indefinite"/>
+                      </p:stCondLst>
+                      <p:childTnLst>
+                        <p:par>
+                          <p:cTn id="14" fill="hold">
+                            <p:stCondLst>
+                              <p:cond delay="0"/>
+                            </p:stCondLst>
+                            <p:childTnLst>
+                              <p:par>
+                                <p:cTn id="15" presetID="10" presetClass="entr" presetSubtype="0" fill="hold" nodeType="clickEffect">
+                                  <p:stCondLst>
+                                    <p:cond delay="0"/>
+                                  </p:stCondLst>
+                                  <p:childTnLst>
+                                    <p:set>
+                                      <p:cBhvr>
+                                        <p:cTn id="16" dur="1" fill="hold">
+                                          <p:stCondLst>
+                                            <p:cond delay="0"/>
+                                          </p:stCondLst>
+                                        </p:cTn>
+                                        <p:tgtEl>
+                                          <p:spTgt spid="3">
+                                            <p:txEl>
+                                              <p:pRg st="2" end="2"/>
+                                            </p:txEl>
+                                          </p:spTgt>
+                                        </p:tgtEl>
+                                        <p:attrNameLst>
+                                          <p:attrName>style.visibility</p:attrName>
+                                        </p:attrNameLst>
+                                      </p:cBhvr>
+                                      <p:to>
+                                        <p:strVal val="visible"/>
+                                      </p:to>
+                                    </p:set>
+                                    <p:animEffect transition="in" filter="fade">
+                                      <p:cBhvr>
+                                        <p:cTn id="17" dur="500"/>
+                                        <p:tgtEl>
+                                          <p:spTgt spid="3">
+                                            <p:txEl>
+                                              <p:pRg st="2" end="2"/>
+                                            </p:txEl>
+                                          </p:spTgt>
+                                        </p:tgtEl>
+                                      </p:cBhvr>
+                                    </p:animEffect>
+                                  </p:childTnLst>
+                                </p:cTn>
+                              </p:par>
+                            </p:childTnLst>
+                          </p:cTn>
+                        </p:par>
+                      </p:childTnLst>
+                    </p:cTn>
+                  </p:par>
+                  <p:par>
+                    <p:cTn id="18" fill="hold">
+                      <p:stCondLst>
+                        <p:cond delay="indefinite"/>
+                      </p:stCondLst>
+                      <p:childTnLst>
+                        <p:par>
+                          <p:cTn id="19" fill="hold">
+                            <p:stCondLst>
+                              <p:cond delay="0"/>
+                            </p:stCondLst>
+                            <p:childTnLst>
+                              <p:par>
+                                <p:cTn id="20" presetID="10" presetClass="entr" presetSubtype="0" fill="hold" nodeType="clickEffect">
+                                  <p:stCondLst>
+                                    <p:cond delay="0"/>
+                                  </p:stCondLst>
+                                  <p:childTnLst>
+                                    <p:set>
+                                      <p:cBhvr>
+                                        <p:cTn id="21" dur="1" fill="hold">
+                                          <p:stCondLst>
+                                            <p:cond delay="0"/>
+                                          </p:stCondLst>
+                                        </p:cTn>
+                                        <p:tgtEl>
+                                          <p:spTgt spid="3">
+                                            <p:txEl>
+                                              <p:pRg st="3" end="3"/>
+                                            </p:txEl>
+                                          </p:spTgt>
+                                        </p:tgtEl>
+                                        <p:attrNameLst>
+                                          <p:attrName>style.visibility</p:attrName>
+                                        </p:attrNameLst>
+                                      </p:cBhvr>
+                                      <p:to>
+                                        <p:strVal val="visible"/>
+                                      </p:to>
+                                    </p:set>
+                                    <p:animEffect transition="in" filter="fade">
+                                      <p:cBhvr>
+                                        <p:cTn id="22" dur="500"/>
+                                        <p:tgtEl>
+                                          <p:spTgt spid="3">
+                                            <p:txEl>
+                                              <p:pRg st="3" end="3"/>
+                                            </p:txEl>
+                                          </p:spTgt>
+                                        </p:tgtEl>
+                                      </p:cBhvr>
+                                    </p:animEffect>
+                                  </p:childTnLst>
+                                </p:cTn>
+                              </p:par>
+                            </p:childTnLst>
+                          </p:cTn>
+                        </p:par>
+                      </p:childTnLst>
+                    </p:cTn>
+                  </p:par>
+                  <p:par>
+                    <p:cTn id="23" fill="hold">
+                      <p:stCondLst>
+                        <p:cond delay="indefinite"/>
+                      </p:stCondLst>
+                      <p:childTnLst>
+                        <p:par>
+                          <p:cTn id="24" fill="hold">
+                            <p:stCondLst>
+                              <p:cond delay="0"/>
+                            </p:stCondLst>
+                            <p:childTnLst>
+                              <p:par>
+                                <p:cTn id="25" presetID="10" presetClass="entr" presetSubtype="0" fill="hold" nodeType="clickEffect">
+                                  <p:stCondLst>
+                                    <p:cond delay="0"/>
+                                  </p:stCondLst>
+                                  <p:childTnLst>
+                                    <p:set>
+                                      <p:cBhvr>
+                                        <p:cTn id="26" dur="1" fill="hold">
+                                          <p:stCondLst>
+                                            <p:cond delay="0"/>
+                                          </p:stCondLst>
+                                        </p:cTn>
+                                        <p:tgtEl>
+                                          <p:spTgt spid="3">
+                                            <p:txEl>
+                                              <p:pRg st="4" end="4"/>
+                                            </p:txEl>
+                                          </p:spTgt>
+                                        </p:tgtEl>
+                                        <p:attrNameLst>
+                                          <p:attrName>style.visibility</p:attrName>
+                                        </p:attrNameLst>
+                                      </p:cBhvr>
+                                      <p:to>
+                                        <p:strVal val="visible"/>
+                                      </p:to>
+                                    </p:set>
+                                    <p:animEffect transition="in" filter="fade">
+                                      <p:cBhvr>
+                                        <p:cTn id="27" dur="500"/>
+                                        <p:tgtEl>
+                                          <p:spTgt spid="3">
+                                            <p:txEl>
+                                              <p:pRg st="4" end="4"/>
+                                            </p:txEl>
+                                          </p:spTgt>
+                                        </p:tgtEl>
+                                      </p:cBhvr>
+                                    </p:animEffect>
+                                  </p:childTnLst>
+                                </p:cTn>
+                              </p:par>
+                            </p:childTnLst>
+                          </p:cTn>
+                        </p:par>
+                      </p:childTnLst>
+                    </p:cTn>
+                  </p:par>
+                  <p:par>
+                    <p:cTn id="28" fill="hold">
+                      <p:stCondLst>
+                        <p:cond delay="indefinite"/>
+                      </p:stCondLst>
+                      <p:childTnLst>
+                        <p:par>
+                          <p:cTn id="29" fill="hold">
+                            <p:stCondLst>
+                              <p:cond delay="0"/>
+                            </p:stCondLst>
+                            <p:childTnLst>
+                              <p:par>
+                                <p:cTn id="30" presetID="10" presetClass="entr" presetSubtype="0" fill="hold" nodeType="clickEffect">
+                                  <p:stCondLst>
+                                    <p:cond delay="0"/>
+                                  </p:stCondLst>
+                                  <p:childTnLst>
+                                    <p:set>
+                                      <p:cBhvr>
+                                        <p:cTn id="31" dur="1" fill="hold">
+                                          <p:stCondLst>
+                                            <p:cond delay="0"/>
+                                          </p:stCondLst>
+                                        </p:cTn>
+                                        <p:tgtEl>
+                                          <p:spTgt spid="3">
+                                            <p:txEl>
+                                              <p:pRg st="5" end="5"/>
+                                            </p:txEl>
+                                          </p:spTgt>
+                                        </p:tgtEl>
+                                        <p:attrNameLst>
+                                          <p:attrName>style.visibility</p:attrName>
+                                        </p:attrNameLst>
+                                      </p:cBhvr>
+                                      <p:to>
+                                        <p:strVal val="visible"/>
+                                      </p:to>
+                                    </p:set>
+                                    <p:animEffect transition="in" filter="fade">
+                                      <p:cBhvr>
+                                        <p:cTn id="32" dur="500"/>
+                                        <p:tgtEl>
+                                          <p:spTgt spid="3">
+                                            <p:txEl>
+                                              <p:pRg st="5" end="5"/>
+                                            </p:txEl>
+                                          </p:spTgt>
+                                        </p:tgtEl>
+                                      </p:cBhvr>
+                                    </p:animEffect>
+                                  </p:childTnLst>
+                                </p:cTn>
+                              </p:par>
+                            </p:childTnLst>
+                          </p:cTn>
+                        </p:par>
+                      </p:childTnLst>
+                    </p:cTn>
+                  </p:par>
+                  <p:par>
+                    <p:cTn id="33" fill="hold">
+                      <p:stCondLst>
+                        <p:cond delay="indefinite"/>
+                      </p:stCondLst>
+                      <p:childTnLst>
+                        <p:par>
+                          <p:cTn id="34" fill="hold">
+                            <p:stCondLst>
+                              <p:cond delay="0"/>
+                            </p:stCondLst>
+                            <p:childTnLst>
+                              <p:par>
+                                <p:cTn id="35" presetID="10" presetClass="entr" presetSubtype="0" fill="hold" nodeType="clickEffect">
+                                  <p:stCondLst>
+                                    <p:cond delay="0"/>
+                                  </p:stCondLst>
+                                  <p:childTnLst>
+                                    <p:set>
+                                      <p:cBhvr>
+                                        <p:cTn id="36" dur="1" fill="hold">
+                                          <p:stCondLst>
+                                            <p:cond delay="0"/>
+                                          </p:stCondLst>
+                                        </p:cTn>
+                                        <p:tgtEl>
+                                          <p:spTgt spid="3">
+                                            <p:txEl>
+                                              <p:pRg st="6" end="6"/>
+                                            </p:txEl>
+                                          </p:spTgt>
+                                        </p:tgtEl>
+                                        <p:attrNameLst>
+                                          <p:attrName>style.visibility</p:attrName>
+                                        </p:attrNameLst>
+                                      </p:cBhvr>
+                                      <p:to>
+                                        <p:strVal val="visible"/>
+                                      </p:to>
+                                    </p:set>
+                                    <p:animEffect transition="in" filter="fade">
+                                      <p:cBhvr>
+                                        <p:cTn id="37" dur="500"/>
+                                        <p:tgtEl>
+                                          <p:spTgt spid="3">
+                                            <p:txEl>
+                                              <p:pRg st="6" end="6"/>
+                                            </p:txEl>
+                                          </p:spTgt>
+                                        </p:tgtEl>
+                                      </p:cBhvr>
+                                    </p:animEffect>
+                                  </p:childTnLst>
+                                </p:cTn>
+                              </p:par>
+                            </p:childTnLst>
+                          </p:cTn>
+                        </p:par>
+                      </p:childTnLst>
+                    </p:cTn>
+                  </p:par>
+                  <p:par>
+                    <p:cTn id="38" fill="hold">
+                      <p:stCondLst>
+                        <p:cond delay="indefinite"/>
+                      </p:stCondLst>
+                      <p:childTnLst>
+                        <p:par>
+                          <p:cTn id="39" fill="hold">
+                            <p:stCondLst>
+                              <p:cond delay="0"/>
+                            </p:stCondLst>
+                            <p:childTnLst>
+                              <p:par>
+                                <p:cTn id="40" presetID="10" presetClass="entr" presetSubtype="0" fill="hold" nodeType="clickEffect">
+                                  <p:stCondLst>
+                                    <p:cond delay="0"/>
+                                  </p:stCondLst>
+                                  <p:childTnLst>
+                                    <p:set>
+                                      <p:cBhvr>
+                                        <p:cTn id="41" dur="1" fill="hold">
+                                          <p:stCondLst>
+                                            <p:cond delay="0"/>
+                                          </p:stCondLst>
+                                        </p:cTn>
+                                        <p:tgtEl>
+                                          <p:spTgt spid="3">
+                                            <p:txEl>
+                                              <p:pRg st="7" end="7"/>
+                                            </p:txEl>
+                                          </p:spTgt>
+                                        </p:tgtEl>
+                                        <p:attrNameLst>
+                                          <p:attrName>style.visibility</p:attrName>
+                                        </p:attrNameLst>
+                                      </p:cBhvr>
+                                      <p:to>
+                                        <p:strVal val="visible"/>
+                                      </p:to>
+                                    </p:set>
+                                    <p:animEffect transition="in" filter="fade">
+                                      <p:cBhvr>
+                                        <p:cTn id="42" dur="500"/>
+                                        <p:tgtEl>
+                                          <p:spTgt spid="3">
+                                            <p:txEl>
+                                              <p:pRg st="7" end="7"/>
+                                            </p:txEl>
+                                          </p:spTgt>
+                                        </p:tgtEl>
+                                      </p:cBhvr>
+                                    </p:animEffect>
+                                  </p:childTnLst>
+                                </p:cTn>
+                              </p:par>
+                            </p:childTnLst>
+                          </p:cTn>
+                        </p:par>
+                      </p:childTnLst>
+                    </p:cTn>
+                  </p:par>
+                  <p:par>
+                    <p:cTn id="43" fill="hold">
+                      <p:stCondLst>
+                        <p:cond delay="indefinite"/>
+                      </p:stCondLst>
+                      <p:childTnLst>
+                        <p:par>
+                          <p:cTn id="44" fill="hold">
+                            <p:stCondLst>
+                              <p:cond delay="0"/>
+                            </p:stCondLst>
+                            <p:childTnLst>
+                              <p:par>
+                                <p:cTn id="45" presetID="10" presetClass="entr" presetSubtype="0" fill="hold" nodeType="clickEffect">
+                                  <p:stCondLst>
+                                    <p:cond delay="0"/>
+                                  </p:stCondLst>
+                                  <p:childTnLst>
+                                    <p:set>
+                                      <p:cBhvr>
+                                        <p:cTn id="46" dur="1" fill="hold">
+                                          <p:stCondLst>
+                                            <p:cond delay="0"/>
+                                          </p:stCondLst>
+                                        </p:cTn>
+                                        <p:tgtEl>
+                                          <p:spTgt spid="3">
+                                            <p:txEl>
+                                              <p:pRg st="8" end="8"/>
+                                            </p:txEl>
+                                          </p:spTgt>
+                                        </p:tgtEl>
+                                        <p:attrNameLst>
+                                          <p:attrName>style.visibility</p:attrName>
+                                        </p:attrNameLst>
+                                      </p:cBhvr>
+                                      <p:to>
+                                        <p:strVal val="visible"/>
+                                      </p:to>
+                                    </p:set>
+                                    <p:animEffect transition="in" filter="fade">
+                                      <p:cBhvr>
+                                        <p:cTn id="47" dur="500"/>
+                                        <p:tgtEl>
+                                          <p:spTgt spid="3">
+                                            <p:txEl>
+                                              <p:pRg st="8" end="8"/>
+                                            </p:txEl>
+                                          </p:spTgt>
+                                        </p:tgtEl>
+                                      </p:cBhvr>
+                                    </p:animEffect>
+                                  </p:childTnLst>
+                                </p:cTn>
+                              </p:par>
+                            </p:childTnLst>
+                          </p:cTn>
+                        </p:par>
+                      </p:childTnLst>
+                    </p:cTn>
+                  </p:par>
+                  <p:par>
+                    <p:cTn id="48" fill="hold">
+                      <p:stCondLst>
+                        <p:cond delay="indefinite"/>
+                      </p:stCondLst>
+                      <p:childTnLst>
+                        <p:par>
+                          <p:cTn id="49" fill="hold">
+                            <p:stCondLst>
+                              <p:cond delay="0"/>
+                            </p:stCondLst>
+                            <p:childTnLst>
+                              <p:par>
+                                <p:cTn id="50" presetID="10" presetClass="entr" presetSubtype="0" fill="hold" nodeType="clickEffect">
+                                  <p:stCondLst>
+                                    <p:cond delay="0"/>
+                                  </p:stCondLst>
+                                  <p:childTnLst>
+                                    <p:set>
+                                      <p:cBhvr>
+                                        <p:cTn id="51" dur="1" fill="hold">
+                                          <p:stCondLst>
+                                            <p:cond delay="0"/>
+                                          </p:stCondLst>
+                                        </p:cTn>
+                                        <p:tgtEl>
+                                          <p:spTgt spid="3">
+                                            <p:txEl>
+                                              <p:pRg st="9" end="9"/>
+                                            </p:txEl>
+                                          </p:spTgt>
+                                        </p:tgtEl>
+                                        <p:attrNameLst>
+                                          <p:attrName>style.visibility</p:attrName>
+                                        </p:attrNameLst>
+                                      </p:cBhvr>
+                                      <p:to>
+                                        <p:strVal val="visible"/>
+                                      </p:to>
+                                    </p:set>
+                                    <p:animEffect transition="in" filter="fade">
+                                      <p:cBhvr>
+                                        <p:cTn id="52" dur="500"/>
+                                        <p:tgtEl>
+                                          <p:spTgt spid="3">
+                                            <p:txEl>
+                                              <p:pRg st="9" end="9"/>
+                                            </p:txEl>
+                                          </p:spTgt>
+                                        </p:tgtEl>
+                                      </p:cBhvr>
+                                    </p:animEffect>
+                                  </p:childTnLst>
+                                </p:cTn>
+                              </p:par>
+                            </p:childTnLst>
+                          </p:cTn>
+                        </p:par>
+                      </p:childTnLst>
+                    </p:cTn>
+                  </p:par>
+                </p:childTnLst>
+              </p:cTn>
+              <p:prevCondLst>
+                <p:cond evt="onPrev" delay="0">
+                  <p:tgtEl>
+                    <p:sldTgt/>
+                  </p:tgtEl>
+                </p:cond>
+              </p:prevCondLst>
+              <p:nextCondLst>
+                <p:cond evt="onNext" delay="0">
+                  <p:tgtEl>
+                    <p:sldTgt/>
+                  </p:tgtEl>
+                </p:cond>
+              </p:nextCondLst>
+            </p:seq>
+          </p:childTnLst>
+        </p:cTn>
+      </p:par>
+    </p:tnLst>
+  </p:timing>
+</p:sld>
+</file>
+
+<file path=ppt/slides/slide9.xml><?xml version="1.0" encoding="utf-8"?>
+<p:sld xmlns:a="http://schemas.openxmlformats.org/drawingml/2006/main" xmlns:r="http://schemas.openxmlformats.org/officeDocument/2006/relationships" xmlns:p="http://schemas.openxmlformats.org/presentationml/2006/main">
   <p:cSld>
     <p:spTree>
       <p:nvGrpSpPr>
@@ -13080,125 +14796,9 @@
           <a:p>
             <a:r>
               <a:rPr lang="en-US" dirty="0" smtClean="0"/>
-              <a:t>Execution Flexibility</a:t>
+              <a:t>Selenium Grid</a:t>
             </a:r>
             <a:endParaRPr lang="en-US" dirty="0"/>
-          </a:p>
-        </p:txBody>
-      </p:sp>
-      <p:sp>
-        <p:nvSpPr>
-          <p:cNvPr id="3" name="Content Placeholder 2"/>
-          <p:cNvSpPr>
-            <a:spLocks noGrp="1"/>
-          </p:cNvSpPr>
-          <p:nvPr>
-            <p:ph idx="1"/>
-          </p:nvPr>
-        </p:nvSpPr>
-        <p:spPr/>
-        <p:txBody>
-          <a:bodyPr/>
-          <a:lstStyle/>
-          <a:p>
-            <a:r>
-              <a:rPr lang="en-US" dirty="0" smtClean="0"/>
-              <a:t>Configuration File</a:t>
-            </a:r>
-          </a:p>
-          <a:p>
-            <a:r>
-              <a:rPr lang="en-US" dirty="0" smtClean="0"/>
-              <a:t>Selective Test Execution</a:t>
-            </a:r>
-          </a:p>
-          <a:p>
-            <a:r>
-              <a:rPr lang="en-US" dirty="0"/>
-              <a:t>Logging</a:t>
-            </a:r>
-          </a:p>
-          <a:p>
-            <a:r>
-              <a:rPr lang="en-US" dirty="0" smtClean="0"/>
-              <a:t>Parallel Test Execution</a:t>
-            </a:r>
-          </a:p>
-          <a:p>
-            <a:r>
-              <a:rPr lang="en-US" dirty="0" smtClean="0"/>
-              <a:t>Test Listeners</a:t>
-            </a:r>
-          </a:p>
-          <a:p>
-            <a:endParaRPr lang="en-US" dirty="0" smtClean="0"/>
-          </a:p>
-          <a:p>
-            <a:endParaRPr lang="en-US" dirty="0"/>
-          </a:p>
-        </p:txBody>
-      </p:sp>
-    </p:spTree>
-    <p:extLst>
-      <p:ext uri="{BB962C8B-B14F-4D97-AF65-F5344CB8AC3E}">
-        <p14:creationId xmlns:p14="http://schemas.microsoft.com/office/powerpoint/2010/main" val="2622253191"/>
-      </p:ext>
-    </p:extLst>
-  </p:cSld>
-  <p:clrMapOvr>
-    <a:masterClrMapping/>
-  </p:clrMapOvr>
-  <mc:AlternateContent xmlns:mc="http://schemas.openxmlformats.org/markup-compatibility/2006" xmlns:p14="http://schemas.microsoft.com/office/powerpoint/2010/main">
-    <mc:Choice Requires="p14">
-      <p:transition spd="slow" p14:dur="2000"/>
-    </mc:Choice>
-    <mc:Fallback xmlns="">
-      <p:transition spd="slow"/>
-    </mc:Fallback>
-  </mc:AlternateContent>
-  <p:timing>
-    <p:tnLst>
-      <p:par>
-        <p:cTn id="1" dur="indefinite" restart="never" nodeType="tmRoot"/>
-      </p:par>
-    </p:tnLst>
-  </p:timing>
-</p:sld>
-</file>
-
-<file path=ppt/slides/slide9.xml><?xml version="1.0" encoding="utf-8"?>
-<p:sld xmlns:a="http://schemas.openxmlformats.org/drawingml/2006/main" xmlns:r="http://schemas.openxmlformats.org/officeDocument/2006/relationships" xmlns:p="http://schemas.openxmlformats.org/presentationml/2006/main" show="0">
-  <p:cSld>
-    <p:spTree>
-      <p:nvGrpSpPr>
-        <p:cNvPr id="1" name=""/>
-        <p:cNvGrpSpPr/>
-        <p:nvPr/>
-      </p:nvGrpSpPr>
-      <p:grpSpPr>
-        <a:xfrm>
-          <a:off x="0" y="0"/>
-          <a:ext cx="0" cy="0"/>
-          <a:chOff x="0" y="0"/>
-          <a:chExt cx="0" cy="0"/>
-        </a:xfrm>
-      </p:grpSpPr>
-      <p:sp>
-        <p:nvSpPr>
-          <p:cNvPr id="2" name="Title 1"/>
-          <p:cNvSpPr>
-            <a:spLocks noGrp="1"/>
-          </p:cNvSpPr>
-          <p:nvPr>
-            <p:ph type="title"/>
-          </p:nvPr>
-        </p:nvSpPr>
-        <p:spPr/>
-        <p:txBody>
-          <a:bodyPr/>
-          <a:lstStyle/>
-          <a:p>
-            <a:endParaRPr lang="en-US"/>
           </a:p>
         </p:txBody>
       </p:sp>
@@ -13215,148 +14815,633 @@
         <p:spPr/>
         <p:txBody>
           <a:bodyPr>
-            <a:normAutofit fontScale="40000" lnSpcReduction="20000"/>
+            <a:normAutofit fontScale="92500"/>
           </a:bodyPr>
           <a:lstStyle/>
           <a:p>
-            <a:endParaRPr lang="en-US" dirty="0"/>
-          </a:p>
-          <a:p>
-            <a:r>
-              <a:rPr lang="en-US" dirty="0"/>
-              <a:t>End Goal</a:t>
-            </a:r>
-          </a:p>
-          <a:p>
-            <a:r>
-              <a:rPr lang="en-US" dirty="0"/>
-              <a:t>-- Logging [[LOG4NET]]</a:t>
-            </a:r>
-          </a:p>
-          <a:p>
-            <a:r>
-              <a:rPr lang="en-US" dirty="0"/>
-              <a:t>-- Automating Test Cases [[SELENIUM, C#]]</a:t>
-            </a:r>
-          </a:p>
-          <a:p>
-            <a:r>
-              <a:rPr lang="en-US" dirty="0"/>
-              <a:t>-- Building DD Framework   [[OOP CONCEPTS, DATA HANDLING]]</a:t>
-            </a:r>
-          </a:p>
-          <a:p>
-            <a:r>
-              <a:rPr lang="en-US" dirty="0"/>
-              <a:t>-- Collaborative Development [[GITHUB]]</a:t>
-            </a:r>
-          </a:p>
-          <a:p>
-            <a:r>
-              <a:rPr lang="en-US" dirty="0"/>
-              <a:t>-- Distributed Execution  [[GRID]]</a:t>
-            </a:r>
-          </a:p>
-          <a:p>
-            <a:r>
-              <a:rPr lang="en-US" dirty="0"/>
-              <a:t>-- Continuous Integration [[JENKINS]]</a:t>
-            </a:r>
-          </a:p>
-          <a:p>
-            <a:r>
-              <a:rPr lang="en-US" dirty="0"/>
-              <a:t>-- Automated Reporting   [[JENKINS]]</a:t>
-            </a:r>
-          </a:p>
-          <a:p>
-            <a:endParaRPr lang="en-US" dirty="0"/>
-          </a:p>
-          <a:p>
-            <a:endParaRPr lang="en-US" dirty="0"/>
-          </a:p>
-          <a:p>
-            <a:r>
-              <a:rPr lang="en-US" dirty="0"/>
-              <a:t>EXCEL SHEET</a:t>
-            </a:r>
-          </a:p>
-          <a:p>
-            <a:r>
-              <a:rPr lang="en-US" dirty="0"/>
-              <a:t>-- One Excel Workbook Per Suite</a:t>
-            </a:r>
-          </a:p>
-          <a:p>
-            <a:r>
-              <a:rPr lang="en-US" dirty="0"/>
-              <a:t>-- One Sheet Per </a:t>
-            </a:r>
-            <a:r>
-              <a:rPr lang="en-US" dirty="0" err="1"/>
-              <a:t>TestSelection</a:t>
-            </a:r>
-            <a:endParaRPr lang="en-US" dirty="0"/>
-          </a:p>
-          <a:p>
-            <a:r>
-              <a:rPr lang="en-US" dirty="0"/>
-              <a:t>-- One Sheet Per </a:t>
-            </a:r>
-            <a:r>
-              <a:rPr lang="en-US" dirty="0" err="1"/>
-              <a:t>TestData</a:t>
-            </a:r>
-            <a:r>
-              <a:rPr lang="en-US" dirty="0"/>
-              <a:t> for all tests of a Suite</a:t>
-            </a:r>
-          </a:p>
-          <a:p>
-            <a:r>
-              <a:rPr lang="en-US" dirty="0"/>
-              <a:t>-- One Excel Workbook for All Suites</a:t>
-            </a:r>
-          </a:p>
-          <a:p>
-            <a:endParaRPr lang="en-US" dirty="0"/>
-          </a:p>
-          <a:p>
-            <a:endParaRPr lang="en-US" dirty="0"/>
-          </a:p>
-          <a:p>
-            <a:r>
-              <a:rPr lang="en-US" dirty="0"/>
-              <a:t>-- Core Framework</a:t>
-            </a:r>
-          </a:p>
-          <a:p>
-            <a:endParaRPr lang="en-US" dirty="0"/>
+            <a:r>
+              <a:rPr lang="en-US" dirty="0" smtClean="0"/>
+              <a:t>Distributed Execution in Hub-Node Configuration.</a:t>
+            </a:r>
+          </a:p>
+          <a:p>
+            <a:r>
+              <a:rPr lang="en-US" dirty="0" smtClean="0"/>
+              <a:t>Hub</a:t>
+            </a:r>
+          </a:p>
+          <a:p>
+            <a:pPr lvl="1"/>
+            <a:r>
+              <a:rPr lang="en-US" sz="1600" b="1" dirty="0">
+                <a:latin typeface="Courier New" panose="02070309020205020404" pitchFamily="49" charset="0"/>
+                <a:cs typeface="Courier New" panose="02070309020205020404" pitchFamily="49" charset="0"/>
+              </a:rPr>
+              <a:t>java -jar selenium-server-standalone-2.48.2.jar -role hub </a:t>
+            </a:r>
+            <a:endParaRPr lang="en-US" sz="1600" b="1" dirty="0" smtClean="0">
+              <a:latin typeface="Courier New" panose="02070309020205020404" pitchFamily="49" charset="0"/>
+              <a:cs typeface="Courier New" panose="02070309020205020404" pitchFamily="49" charset="0"/>
+            </a:endParaRPr>
+          </a:p>
+          <a:p>
+            <a:r>
+              <a:rPr lang="en-US" dirty="0" smtClean="0"/>
+              <a:t>Mac Node</a:t>
+            </a:r>
+          </a:p>
+          <a:p>
+            <a:pPr lvl="1"/>
+            <a:r>
+              <a:rPr lang="en-US" sz="1200" dirty="0">
+                <a:latin typeface="Courier New" panose="02070309020205020404" pitchFamily="49" charset="0"/>
+                <a:cs typeface="Courier New" panose="02070309020205020404" pitchFamily="49" charset="0"/>
+              </a:rPr>
+              <a:t>java -jar selenium-server-standalone-2.48.2.jar -role </a:t>
+            </a:r>
+            <a:r>
+              <a:rPr lang="en-US" sz="1200" dirty="0" smtClean="0">
+                <a:latin typeface="Courier New" panose="02070309020205020404" pitchFamily="49" charset="0"/>
+                <a:cs typeface="Courier New" panose="02070309020205020404" pitchFamily="49" charset="0"/>
+              </a:rPr>
+              <a:t>node </a:t>
+            </a:r>
+            <a:r>
+              <a:rPr lang="en-US" sz="1200" dirty="0">
+                <a:latin typeface="Courier New" panose="02070309020205020404" pitchFamily="49" charset="0"/>
+                <a:cs typeface="Courier New" panose="02070309020205020404" pitchFamily="49" charset="0"/>
+              </a:rPr>
+              <a:t>–hub </a:t>
+            </a:r>
+            <a:r>
+              <a:rPr lang="en-US" sz="1200" dirty="0">
+                <a:latin typeface="Courier New" panose="02070309020205020404" pitchFamily="49" charset="0"/>
+                <a:cs typeface="Courier New" panose="02070309020205020404" pitchFamily="49" charset="0"/>
+                <a:hlinkClick r:id="rId2"/>
+              </a:rPr>
+              <a:t>http://</a:t>
+            </a:r>
+            <a:r>
+              <a:rPr lang="en-US" sz="1200" dirty="0" smtClean="0">
+                <a:latin typeface="Courier New" panose="02070309020205020404" pitchFamily="49" charset="0"/>
+                <a:cs typeface="Courier New" panose="02070309020205020404" pitchFamily="49" charset="0"/>
+                <a:hlinkClick r:id="rId2"/>
+              </a:rPr>
+              <a:t>192.168.1.4:4444/grid/register</a:t>
+            </a:r>
+            <a:r>
+              <a:rPr lang="en-US" sz="1200" dirty="0" smtClean="0">
+                <a:latin typeface="Courier New" panose="02070309020205020404" pitchFamily="49" charset="0"/>
+                <a:cs typeface="Courier New" panose="02070309020205020404" pitchFamily="49" charset="0"/>
+              </a:rPr>
+              <a:t> -browser </a:t>
+            </a:r>
+            <a:r>
+              <a:rPr lang="en-US" sz="1200" dirty="0" err="1" smtClean="0">
+                <a:latin typeface="Courier New" panose="02070309020205020404" pitchFamily="49" charset="0"/>
+                <a:cs typeface="Courier New" panose="02070309020205020404" pitchFamily="49" charset="0"/>
+              </a:rPr>
+              <a:t>browserName</a:t>
+            </a:r>
+            <a:r>
+              <a:rPr lang="en-US" sz="1200" dirty="0" smtClean="0">
+                <a:latin typeface="Courier New" panose="02070309020205020404" pitchFamily="49" charset="0"/>
+                <a:cs typeface="Courier New" panose="02070309020205020404" pitchFamily="49" charset="0"/>
+              </a:rPr>
+              <a:t>=</a:t>
+            </a:r>
+            <a:r>
+              <a:rPr lang="en-US" sz="1200" dirty="0" err="1" smtClean="0">
+                <a:latin typeface="Courier New" panose="02070309020205020404" pitchFamily="49" charset="0"/>
+                <a:cs typeface="Courier New" panose="02070309020205020404" pitchFamily="49" charset="0"/>
+              </a:rPr>
+              <a:t>safari,maxInstances</a:t>
+            </a:r>
+            <a:r>
+              <a:rPr lang="en-US" sz="1200" dirty="0" smtClean="0">
+                <a:latin typeface="Courier New" panose="02070309020205020404" pitchFamily="49" charset="0"/>
+                <a:cs typeface="Courier New" panose="02070309020205020404" pitchFamily="49" charset="0"/>
+              </a:rPr>
+              <a:t>=1 </a:t>
+            </a:r>
+            <a:r>
+              <a:rPr lang="en-US" sz="1200" dirty="0">
+                <a:latin typeface="Courier New" panose="02070309020205020404" pitchFamily="49" charset="0"/>
+                <a:cs typeface="Courier New" panose="02070309020205020404" pitchFamily="49" charset="0"/>
+              </a:rPr>
+              <a:t>-</a:t>
+            </a:r>
+            <a:r>
+              <a:rPr lang="en-US" sz="1200" dirty="0" err="1">
+                <a:latin typeface="Courier New" panose="02070309020205020404" pitchFamily="49" charset="0"/>
+                <a:cs typeface="Courier New" panose="02070309020205020404" pitchFamily="49" charset="0"/>
+              </a:rPr>
+              <a:t>maxSessions</a:t>
+            </a:r>
+            <a:r>
+              <a:rPr lang="en-US" sz="1200" dirty="0">
+                <a:latin typeface="Courier New" panose="02070309020205020404" pitchFamily="49" charset="0"/>
+                <a:cs typeface="Courier New" panose="02070309020205020404" pitchFamily="49" charset="0"/>
+              </a:rPr>
+              <a:t>=2</a:t>
+            </a:r>
+          </a:p>
+          <a:p>
+            <a:r>
+              <a:rPr lang="en-US" dirty="0" smtClean="0"/>
+              <a:t>Windows Node</a:t>
+            </a:r>
+            <a:endParaRPr lang="en-US" dirty="0">
+              <a:latin typeface="Courier New" panose="02070309020205020404" pitchFamily="49" charset="0"/>
+              <a:cs typeface="Courier New" panose="02070309020205020404" pitchFamily="49" charset="0"/>
+            </a:endParaRPr>
+          </a:p>
+          <a:p>
+            <a:pPr lvl="1"/>
+            <a:r>
+              <a:rPr lang="en-US" sz="1200" dirty="0">
+                <a:latin typeface="Courier New" panose="02070309020205020404" pitchFamily="49" charset="0"/>
+                <a:cs typeface="Courier New" panose="02070309020205020404" pitchFamily="49" charset="0"/>
+              </a:rPr>
+              <a:t>java -jar selenium-server-standalone-2.48.2.jar -role node –hub </a:t>
+            </a:r>
+            <a:r>
+              <a:rPr lang="en-US" sz="1200" dirty="0">
+                <a:latin typeface="Courier New" panose="02070309020205020404" pitchFamily="49" charset="0"/>
+                <a:cs typeface="Courier New" panose="02070309020205020404" pitchFamily="49" charset="0"/>
+                <a:hlinkClick r:id="rId2"/>
+              </a:rPr>
+              <a:t>http://192.168.1.4:4444/grid/register</a:t>
+            </a:r>
+            <a:r>
+              <a:rPr lang="en-US" sz="1200" dirty="0">
+                <a:latin typeface="Courier New" panose="02070309020205020404" pitchFamily="49" charset="0"/>
+                <a:cs typeface="Courier New" panose="02070309020205020404" pitchFamily="49" charset="0"/>
+              </a:rPr>
+              <a:t> -browser </a:t>
+            </a:r>
+            <a:r>
+              <a:rPr lang="en-US" sz="1200" dirty="0" err="1" smtClean="0">
+                <a:latin typeface="Courier New" panose="02070309020205020404" pitchFamily="49" charset="0"/>
+                <a:cs typeface="Courier New" panose="02070309020205020404" pitchFamily="49" charset="0"/>
+              </a:rPr>
+              <a:t>browserName</a:t>
+            </a:r>
+            <a:r>
+              <a:rPr lang="en-US" sz="1200" dirty="0" smtClean="0">
+                <a:latin typeface="Courier New" panose="02070309020205020404" pitchFamily="49" charset="0"/>
+                <a:cs typeface="Courier New" panose="02070309020205020404" pitchFamily="49" charset="0"/>
+              </a:rPr>
+              <a:t>=</a:t>
+            </a:r>
+            <a:r>
+              <a:rPr lang="en-US" sz="1200" dirty="0" err="1" smtClean="0">
+                <a:latin typeface="Courier New" panose="02070309020205020404" pitchFamily="49" charset="0"/>
+                <a:cs typeface="Courier New" panose="02070309020205020404" pitchFamily="49" charset="0"/>
+              </a:rPr>
+              <a:t>firefox,maxInstances</a:t>
+            </a:r>
+            <a:r>
+              <a:rPr lang="en-US" sz="1200" dirty="0" smtClean="0">
+                <a:latin typeface="Courier New" panose="02070309020205020404" pitchFamily="49" charset="0"/>
+                <a:cs typeface="Courier New" panose="02070309020205020404" pitchFamily="49" charset="0"/>
+              </a:rPr>
+              <a:t>=1 </a:t>
+            </a:r>
+            <a:r>
+              <a:rPr lang="en-US" sz="1200" dirty="0">
+                <a:latin typeface="Courier New" panose="02070309020205020404" pitchFamily="49" charset="0"/>
+                <a:cs typeface="Courier New" panose="02070309020205020404" pitchFamily="49" charset="0"/>
+              </a:rPr>
+              <a:t>-</a:t>
+            </a:r>
+            <a:r>
+              <a:rPr lang="en-US" sz="1200" dirty="0" err="1" smtClean="0">
+                <a:latin typeface="Courier New" panose="02070309020205020404" pitchFamily="49" charset="0"/>
+                <a:cs typeface="Courier New" panose="02070309020205020404" pitchFamily="49" charset="0"/>
+              </a:rPr>
+              <a:t>maxSessions</a:t>
+            </a:r>
+            <a:r>
+              <a:rPr lang="en-US" sz="1200" dirty="0" smtClean="0">
+                <a:latin typeface="Courier New" panose="02070309020205020404" pitchFamily="49" charset="0"/>
+                <a:cs typeface="Courier New" panose="02070309020205020404" pitchFamily="49" charset="0"/>
+              </a:rPr>
+              <a:t>=2</a:t>
+            </a:r>
           </a:p>
         </p:txBody>
       </p:sp>
     </p:spTree>
     <p:extLst>
       <p:ext uri="{BB962C8B-B14F-4D97-AF65-F5344CB8AC3E}">
-        <p14:creationId xmlns:p14="http://schemas.microsoft.com/office/powerpoint/2010/main" val="153096880"/>
+        <p14:creationId xmlns:p14="http://schemas.microsoft.com/office/powerpoint/2010/main" val="967710311"/>
       </p:ext>
     </p:extLst>
   </p:cSld>
   <p:clrMapOvr>
     <a:masterClrMapping/>
   </p:clrMapOvr>
-  <mc:AlternateContent xmlns:mc="http://schemas.openxmlformats.org/markup-compatibility/2006" xmlns:p14="http://schemas.microsoft.com/office/powerpoint/2010/main">
-    <mc:Choice Requires="p14">
-      <p:transition spd="slow" p14:dur="2000"/>
-    </mc:Choice>
-    <mc:Fallback xmlns="">
-      <p:transition spd="slow"/>
-    </mc:Fallback>
-  </mc:AlternateContent>
   <p:timing>
     <p:tnLst>
       <p:par>
-        <p:cTn id="1" dur="indefinite" restart="never" nodeType="tmRoot"/>
+        <p:cTn id="1" dur="indefinite" restart="never" nodeType="tmRoot">
+          <p:childTnLst>
+            <p:seq concurrent="1" nextAc="seek">
+              <p:cTn id="2" dur="indefinite" nodeType="mainSeq">
+                <p:childTnLst>
+                  <p:par>
+                    <p:cTn id="3" fill="hold">
+                      <p:stCondLst>
+                        <p:cond delay="indefinite"/>
+                      </p:stCondLst>
+                      <p:childTnLst>
+                        <p:par>
+                          <p:cTn id="4" fill="hold">
+                            <p:stCondLst>
+                              <p:cond delay="0"/>
+                            </p:stCondLst>
+                            <p:childTnLst>
+                              <p:par>
+                                <p:cTn id="5" presetID="10" presetClass="entr" presetSubtype="0" fill="hold" nodeType="clickEffect">
+                                  <p:stCondLst>
+                                    <p:cond delay="0"/>
+                                  </p:stCondLst>
+                                  <p:childTnLst>
+                                    <p:set>
+                                      <p:cBhvr>
+                                        <p:cTn id="6" dur="1" fill="hold">
+                                          <p:stCondLst>
+                                            <p:cond delay="0"/>
+                                          </p:stCondLst>
+                                        </p:cTn>
+                                        <p:tgtEl>
+                                          <p:spTgt spid="3">
+                                            <p:txEl>
+                                              <p:pRg st="0" end="0"/>
+                                            </p:txEl>
+                                          </p:spTgt>
+                                        </p:tgtEl>
+                                        <p:attrNameLst>
+                                          <p:attrName>style.visibility</p:attrName>
+                                        </p:attrNameLst>
+                                      </p:cBhvr>
+                                      <p:to>
+                                        <p:strVal val="visible"/>
+                                      </p:to>
+                                    </p:set>
+                                    <p:animEffect transition="in" filter="fade">
+                                      <p:cBhvr>
+                                        <p:cTn id="7" dur="500"/>
+                                        <p:tgtEl>
+                                          <p:spTgt spid="3">
+                                            <p:txEl>
+                                              <p:pRg st="0" end="0"/>
+                                            </p:txEl>
+                                          </p:spTgt>
+                                        </p:tgtEl>
+                                      </p:cBhvr>
+                                    </p:animEffect>
+                                  </p:childTnLst>
+                                </p:cTn>
+                              </p:par>
+                            </p:childTnLst>
+                          </p:cTn>
+                        </p:par>
+                      </p:childTnLst>
+                    </p:cTn>
+                  </p:par>
+                  <p:par>
+                    <p:cTn id="8" fill="hold">
+                      <p:stCondLst>
+                        <p:cond delay="indefinite"/>
+                      </p:stCondLst>
+                      <p:childTnLst>
+                        <p:par>
+                          <p:cTn id="9" fill="hold">
+                            <p:stCondLst>
+                              <p:cond delay="0"/>
+                            </p:stCondLst>
+                            <p:childTnLst>
+                              <p:par>
+                                <p:cTn id="10" presetID="10" presetClass="entr" presetSubtype="0" fill="hold" nodeType="clickEffect">
+                                  <p:stCondLst>
+                                    <p:cond delay="0"/>
+                                  </p:stCondLst>
+                                  <p:childTnLst>
+                                    <p:set>
+                                      <p:cBhvr>
+                                        <p:cTn id="11" dur="1" fill="hold">
+                                          <p:stCondLst>
+                                            <p:cond delay="0"/>
+                                          </p:stCondLst>
+                                        </p:cTn>
+                                        <p:tgtEl>
+                                          <p:spTgt spid="3">
+                                            <p:txEl>
+                                              <p:pRg st="1" end="1"/>
+                                            </p:txEl>
+                                          </p:spTgt>
+                                        </p:tgtEl>
+                                        <p:attrNameLst>
+                                          <p:attrName>style.visibility</p:attrName>
+                                        </p:attrNameLst>
+                                      </p:cBhvr>
+                                      <p:to>
+                                        <p:strVal val="visible"/>
+                                      </p:to>
+                                    </p:set>
+                                    <p:animEffect transition="in" filter="fade">
+                                      <p:cBhvr>
+                                        <p:cTn id="12" dur="500"/>
+                                        <p:tgtEl>
+                                          <p:spTgt spid="3">
+                                            <p:txEl>
+                                              <p:pRg st="1" end="1"/>
+                                            </p:txEl>
+                                          </p:spTgt>
+                                        </p:tgtEl>
+                                      </p:cBhvr>
+                                    </p:animEffect>
+                                  </p:childTnLst>
+                                </p:cTn>
+                              </p:par>
+                              <p:par>
+                                <p:cTn id="13" presetID="10" presetClass="entr" presetSubtype="0" fill="hold" nodeType="withEffect">
+                                  <p:stCondLst>
+                                    <p:cond delay="0"/>
+                                  </p:stCondLst>
+                                  <p:childTnLst>
+                                    <p:set>
+                                      <p:cBhvr>
+                                        <p:cTn id="14" dur="1" fill="hold">
+                                          <p:stCondLst>
+                                            <p:cond delay="0"/>
+                                          </p:stCondLst>
+                                        </p:cTn>
+                                        <p:tgtEl>
+                                          <p:spTgt spid="3">
+                                            <p:txEl>
+                                              <p:pRg st="2" end="2"/>
+                                            </p:txEl>
+                                          </p:spTgt>
+                                        </p:tgtEl>
+                                        <p:attrNameLst>
+                                          <p:attrName>style.visibility</p:attrName>
+                                        </p:attrNameLst>
+                                      </p:cBhvr>
+                                      <p:to>
+                                        <p:strVal val="visible"/>
+                                      </p:to>
+                                    </p:set>
+                                    <p:animEffect transition="in" filter="fade">
+                                      <p:cBhvr>
+                                        <p:cTn id="15" dur="500"/>
+                                        <p:tgtEl>
+                                          <p:spTgt spid="3">
+                                            <p:txEl>
+                                              <p:pRg st="2" end="2"/>
+                                            </p:txEl>
+                                          </p:spTgt>
+                                        </p:tgtEl>
+                                      </p:cBhvr>
+                                    </p:animEffect>
+                                  </p:childTnLst>
+                                </p:cTn>
+                              </p:par>
+                            </p:childTnLst>
+                          </p:cTn>
+                        </p:par>
+                      </p:childTnLst>
+                    </p:cTn>
+                  </p:par>
+                  <p:par>
+                    <p:cTn id="16" fill="hold">
+                      <p:stCondLst>
+                        <p:cond delay="indefinite"/>
+                      </p:stCondLst>
+                      <p:childTnLst>
+                        <p:par>
+                          <p:cTn id="17" fill="hold">
+                            <p:stCondLst>
+                              <p:cond delay="0"/>
+                            </p:stCondLst>
+                            <p:childTnLst>
+                              <p:par>
+                                <p:cTn id="18" presetID="10" presetClass="entr" presetSubtype="0" fill="hold" nodeType="clickEffect">
+                                  <p:stCondLst>
+                                    <p:cond delay="0"/>
+                                  </p:stCondLst>
+                                  <p:childTnLst>
+                                    <p:set>
+                                      <p:cBhvr>
+                                        <p:cTn id="19" dur="1" fill="hold">
+                                          <p:stCondLst>
+                                            <p:cond delay="0"/>
+                                          </p:stCondLst>
+                                        </p:cTn>
+                                        <p:tgtEl>
+                                          <p:spTgt spid="3">
+                                            <p:txEl>
+                                              <p:pRg st="3" end="3"/>
+                                            </p:txEl>
+                                          </p:spTgt>
+                                        </p:tgtEl>
+                                        <p:attrNameLst>
+                                          <p:attrName>style.visibility</p:attrName>
+                                        </p:attrNameLst>
+                                      </p:cBhvr>
+                                      <p:to>
+                                        <p:strVal val="visible"/>
+                                      </p:to>
+                                    </p:set>
+                                    <p:animEffect transition="in" filter="fade">
+                                      <p:cBhvr>
+                                        <p:cTn id="20" dur="500"/>
+                                        <p:tgtEl>
+                                          <p:spTgt spid="3">
+                                            <p:txEl>
+                                              <p:pRg st="3" end="3"/>
+                                            </p:txEl>
+                                          </p:spTgt>
+                                        </p:tgtEl>
+                                      </p:cBhvr>
+                                    </p:animEffect>
+                                  </p:childTnLst>
+                                </p:cTn>
+                              </p:par>
+                              <p:par>
+                                <p:cTn id="21" presetID="10" presetClass="entr" presetSubtype="0" fill="hold" nodeType="withEffect">
+                                  <p:stCondLst>
+                                    <p:cond delay="0"/>
+                                  </p:stCondLst>
+                                  <p:childTnLst>
+                                    <p:set>
+                                      <p:cBhvr>
+                                        <p:cTn id="22" dur="1" fill="hold">
+                                          <p:stCondLst>
+                                            <p:cond delay="0"/>
+                                          </p:stCondLst>
+                                        </p:cTn>
+                                        <p:tgtEl>
+                                          <p:spTgt spid="3">
+                                            <p:txEl>
+                                              <p:pRg st="4" end="4"/>
+                                            </p:txEl>
+                                          </p:spTgt>
+                                        </p:tgtEl>
+                                        <p:attrNameLst>
+                                          <p:attrName>style.visibility</p:attrName>
+                                        </p:attrNameLst>
+                                      </p:cBhvr>
+                                      <p:to>
+                                        <p:strVal val="visible"/>
+                                      </p:to>
+                                    </p:set>
+                                    <p:animEffect transition="in" filter="fade">
+                                      <p:cBhvr>
+                                        <p:cTn id="23" dur="500"/>
+                                        <p:tgtEl>
+                                          <p:spTgt spid="3">
+                                            <p:txEl>
+                                              <p:pRg st="4" end="4"/>
+                                            </p:txEl>
+                                          </p:spTgt>
+                                        </p:tgtEl>
+                                      </p:cBhvr>
+                                    </p:animEffect>
+                                  </p:childTnLst>
+                                </p:cTn>
+                              </p:par>
+                            </p:childTnLst>
+                          </p:cTn>
+                        </p:par>
+                      </p:childTnLst>
+                    </p:cTn>
+                  </p:par>
+                  <p:par>
+                    <p:cTn id="24" fill="hold">
+                      <p:stCondLst>
+                        <p:cond delay="indefinite"/>
+                      </p:stCondLst>
+                      <p:childTnLst>
+                        <p:par>
+                          <p:cTn id="25" fill="hold">
+                            <p:stCondLst>
+                              <p:cond delay="0"/>
+                            </p:stCondLst>
+                            <p:childTnLst>
+                              <p:par>
+                                <p:cTn id="26" presetID="10" presetClass="entr" presetSubtype="0" fill="hold" nodeType="clickEffect">
+                                  <p:stCondLst>
+                                    <p:cond delay="0"/>
+                                  </p:stCondLst>
+                                  <p:childTnLst>
+                                    <p:set>
+                                      <p:cBhvr>
+                                        <p:cTn id="27" dur="1" fill="hold">
+                                          <p:stCondLst>
+                                            <p:cond delay="0"/>
+                                          </p:stCondLst>
+                                        </p:cTn>
+                                        <p:tgtEl>
+                                          <p:spTgt spid="3">
+                                            <p:txEl>
+                                              <p:pRg st="5" end="5"/>
+                                            </p:txEl>
+                                          </p:spTgt>
+                                        </p:tgtEl>
+                                        <p:attrNameLst>
+                                          <p:attrName>style.visibility</p:attrName>
+                                        </p:attrNameLst>
+                                      </p:cBhvr>
+                                      <p:to>
+                                        <p:strVal val="visible"/>
+                                      </p:to>
+                                    </p:set>
+                                    <p:animEffect transition="in" filter="fade">
+                                      <p:cBhvr>
+                                        <p:cTn id="28" dur="500"/>
+                                        <p:tgtEl>
+                                          <p:spTgt spid="3">
+                                            <p:txEl>
+                                              <p:pRg st="5" end="5"/>
+                                            </p:txEl>
+                                          </p:spTgt>
+                                        </p:tgtEl>
+                                      </p:cBhvr>
+                                    </p:animEffect>
+                                  </p:childTnLst>
+                                </p:cTn>
+                              </p:par>
+                              <p:par>
+                                <p:cTn id="29" presetID="10" presetClass="entr" presetSubtype="0" fill="hold" nodeType="withEffect">
+                                  <p:stCondLst>
+                                    <p:cond delay="0"/>
+                                  </p:stCondLst>
+                                  <p:childTnLst>
+                                    <p:set>
+                                      <p:cBhvr>
+                                        <p:cTn id="30" dur="1" fill="hold">
+                                          <p:stCondLst>
+                                            <p:cond delay="0"/>
+                                          </p:stCondLst>
+                                        </p:cTn>
+                                        <p:tgtEl>
+                                          <p:spTgt spid="3">
+                                            <p:txEl>
+                                              <p:pRg st="6" end="6"/>
+                                            </p:txEl>
+                                          </p:spTgt>
+                                        </p:tgtEl>
+                                        <p:attrNameLst>
+                                          <p:attrName>style.visibility</p:attrName>
+                                        </p:attrNameLst>
+                                      </p:cBhvr>
+                                      <p:to>
+                                        <p:strVal val="visible"/>
+                                      </p:to>
+                                    </p:set>
+                                    <p:animEffect transition="in" filter="fade">
+                                      <p:cBhvr>
+                                        <p:cTn id="31" dur="500"/>
+                                        <p:tgtEl>
+                                          <p:spTgt spid="3">
+                                            <p:txEl>
+                                              <p:pRg st="6" end="6"/>
+                                            </p:txEl>
+                                          </p:spTgt>
+                                        </p:tgtEl>
+                                      </p:cBhvr>
+                                    </p:animEffect>
+                                  </p:childTnLst>
+                                </p:cTn>
+                              </p:par>
+                            </p:childTnLst>
+                          </p:cTn>
+                        </p:par>
+                      </p:childTnLst>
+                    </p:cTn>
+                  </p:par>
+                </p:childTnLst>
+              </p:cTn>
+              <p:prevCondLst>
+                <p:cond evt="onPrev" delay="0">
+                  <p:tgtEl>
+                    <p:sldTgt/>
+                  </p:tgtEl>
+                </p:cond>
+              </p:prevCondLst>
+              <p:nextCondLst>
+                <p:cond evt="onNext" delay="0">
+                  <p:tgtEl>
+                    <p:sldTgt/>
+                  </p:tgtEl>
+                </p:cond>
+              </p:nextCondLst>
+            </p:seq>
+          </p:childTnLst>
+        </p:cTn>
       </p:par>
     </p:tnLst>
   </p:timing>
